--- a/文档/平台分布式事件框架介绍.pptx
+++ b/文档/平台分布式事件框架介绍.pptx
@@ -9014,7 +9014,6 @@
               <a:rPr lang="en-US" altLang="zh-CN" i="1" dirty="0"/>
               <a:t>"2"/&gt;</a:t>
             </a:r>
-            <a:endParaRPr lang="en-US" altLang="zh-CN" i="1" dirty="0"/>
           </a:p>
           <a:p>
             <a:r>
@@ -13914,14 +13913,7 @@
                 <a:latin typeface="微软雅黑" pitchFamily="34" charset="-122"/>
                 <a:ea typeface="微软雅黑" pitchFamily="34" charset="-122"/>
               </a:rPr>
-              <a:t>当编辑数据库中的原始数据时，借助分布式事件框架来刷新分布在所有节点上的缓存数据</a:t>
-            </a:r>
-            <a:r>
-              <a:rPr lang="zh-CN" altLang="en-US" sz="1500" dirty="0" smtClean="0">
-                <a:latin typeface="微软雅黑" pitchFamily="34" charset="-122"/>
-                <a:ea typeface="微软雅黑" pitchFamily="34" charset="-122"/>
-              </a:rPr>
-              <a:t>。</a:t>
+              <a:t>当编辑数据库中的原始数据时，借助分布式事件框架来刷新分布在所有节点上的缓存数据。</a:t>
             </a:r>
             <a:r>
               <a:rPr lang="en-US" altLang="zh-CN" sz="1500" dirty="0" err="1" smtClean="0">
@@ -16437,14 +16429,7 @@
                 <a:latin typeface="微软雅黑" pitchFamily="34" charset="-122"/>
                 <a:ea typeface="微软雅黑" pitchFamily="34" charset="-122"/>
               </a:rPr>
-              <a:t>平台分布式</a:t>
-            </a:r>
-            <a:r>
-              <a:rPr lang="zh-CN" altLang="en-US" sz="1500" dirty="0" smtClean="0">
-                <a:latin typeface="微软雅黑" pitchFamily="34" charset="-122"/>
-                <a:ea typeface="微软雅黑" pitchFamily="34" charset="-122"/>
-              </a:rPr>
-              <a:t>事件框架特点：典型的事件驱动模型</a:t>
+              <a:t>平台分布式事件框架特点：典型的事件驱动模型</a:t>
             </a:r>
             <a:endParaRPr lang="en-US" altLang="zh-CN" sz="1500" dirty="0" smtClean="0">
               <a:latin typeface="微软雅黑" pitchFamily="34" charset="-122"/>
@@ -17575,7 +17560,6 @@
               <a:rPr lang="zh-CN" altLang="en-US" dirty="0"/>
               <a:t>路由分布式事件</a:t>
             </a:r>
-            <a:endParaRPr lang="zh-CN" altLang="en-US" dirty="0"/>
           </a:p>
         </p:txBody>
       </p:sp>
@@ -17651,7 +17635,6 @@
               <a:rPr lang="zh-CN" altLang="en-US" dirty="0"/>
               <a:t>接收分布式事件</a:t>
             </a:r>
-            <a:endParaRPr lang="zh-CN" altLang="en-US" dirty="0"/>
           </a:p>
         </p:txBody>
       </p:sp>
@@ -17727,7 +17710,6 @@
               <a:rPr lang="zh-CN" altLang="en-US" dirty="0"/>
               <a:t>发送分布式事件</a:t>
             </a:r>
-            <a:endParaRPr lang="zh-CN" altLang="en-US" dirty="0"/>
           </a:p>
         </p:txBody>
       </p:sp>
@@ -17803,7 +17785,6 @@
               <a:rPr lang="zh-CN" altLang="en-US" dirty="0"/>
               <a:t>接收分布式事件</a:t>
             </a:r>
-            <a:endParaRPr lang="zh-CN" altLang="en-US" dirty="0"/>
           </a:p>
         </p:txBody>
       </p:sp>
@@ -18068,10 +18049,6 @@
               </a:rPr>
               <a:t>）</a:t>
             </a:r>
-            <a:endParaRPr lang="zh-CN" altLang="en-US" sz="1200" dirty="0">
-              <a:latin typeface="微软雅黑" pitchFamily="34" charset="-122"/>
-              <a:ea typeface="微软雅黑" pitchFamily="34" charset="-122"/>
-            </a:endParaRPr>
           </a:p>
         </p:txBody>
       </p:sp>
@@ -18144,10 +18121,6 @@
               </a:rPr>
               <a:t>）</a:t>
             </a:r>
-            <a:endParaRPr lang="zh-CN" altLang="en-US" sz="1200" dirty="0">
-              <a:latin typeface="微软雅黑" pitchFamily="34" charset="-122"/>
-              <a:ea typeface="微软雅黑" pitchFamily="34" charset="-122"/>
-            </a:endParaRPr>
           </a:p>
         </p:txBody>
       </p:sp>
@@ -18543,7 +18516,6 @@
               <a:rPr lang="zh-CN" altLang="en-US" dirty="0"/>
               <a:t>创建事件</a:t>
             </a:r>
-            <a:endParaRPr lang="zh-CN" altLang="en-US" dirty="0"/>
           </a:p>
         </p:txBody>
       </p:sp>
@@ -18586,7 +18558,6 @@
               <a:rPr lang="zh-CN" altLang="en-US" dirty="0"/>
               <a:t>接收事件</a:t>
             </a:r>
-            <a:endParaRPr lang="zh-CN" altLang="en-US" dirty="0"/>
           </a:p>
         </p:txBody>
       </p:sp>
@@ -18629,7 +18600,6 @@
               <a:rPr lang="zh-CN" altLang="en-US" dirty="0"/>
               <a:t>路由分布式事件</a:t>
             </a:r>
-            <a:endParaRPr lang="zh-CN" altLang="en-US" dirty="0"/>
           </a:p>
         </p:txBody>
       </p:sp>
@@ -18705,7 +18675,6 @@
               <a:rPr lang="zh-CN" altLang="en-US" dirty="0"/>
               <a:t>接收分布式事件</a:t>
             </a:r>
-            <a:endParaRPr lang="zh-CN" altLang="en-US" dirty="0"/>
           </a:p>
         </p:txBody>
       </p:sp>
@@ -18781,7 +18750,6 @@
               <a:rPr lang="zh-CN" altLang="en-US" dirty="0"/>
               <a:t>发送分布式事件</a:t>
             </a:r>
-            <a:endParaRPr lang="zh-CN" altLang="en-US" dirty="0"/>
           </a:p>
         </p:txBody>
       </p:sp>
@@ -18857,7 +18825,6 @@
               <a:rPr lang="zh-CN" altLang="en-US" dirty="0"/>
               <a:t>接收分布式事件</a:t>
             </a:r>
-            <a:endParaRPr lang="zh-CN" altLang="en-US" dirty="0"/>
           </a:p>
         </p:txBody>
       </p:sp>
@@ -19122,10 +19089,6 @@
               </a:rPr>
               <a:t>）</a:t>
             </a:r>
-            <a:endParaRPr lang="zh-CN" altLang="en-US" sz="1200" dirty="0">
-              <a:latin typeface="微软雅黑" pitchFamily="34" charset="-122"/>
-              <a:ea typeface="微软雅黑" pitchFamily="34" charset="-122"/>
-            </a:endParaRPr>
           </a:p>
         </p:txBody>
       </p:sp>
@@ -19198,10 +19161,6 @@
               </a:rPr>
               <a:t>）</a:t>
             </a:r>
-            <a:endParaRPr lang="zh-CN" altLang="en-US" sz="1200" dirty="0">
-              <a:latin typeface="微软雅黑" pitchFamily="34" charset="-122"/>
-              <a:ea typeface="微软雅黑" pitchFamily="34" charset="-122"/>
-            </a:endParaRPr>
           </a:p>
         </p:txBody>
       </p:sp>
@@ -19597,7 +19556,6 @@
               <a:rPr lang="zh-CN" altLang="en-US" dirty="0"/>
               <a:t>创建事件</a:t>
             </a:r>
-            <a:endParaRPr lang="zh-CN" altLang="en-US" dirty="0"/>
           </a:p>
         </p:txBody>
       </p:sp>
@@ -19640,7 +19598,6 @@
               <a:rPr lang="zh-CN" altLang="en-US" dirty="0"/>
               <a:t>接收事件</a:t>
             </a:r>
-            <a:endParaRPr lang="zh-CN" altLang="en-US" dirty="0"/>
           </a:p>
         </p:txBody>
       </p:sp>
@@ -19683,7 +19640,6 @@
               <a:rPr lang="zh-CN" altLang="en-US" dirty="0"/>
               <a:t>路由分布式事件</a:t>
             </a:r>
-            <a:endParaRPr lang="zh-CN" altLang="en-US" dirty="0"/>
           </a:p>
         </p:txBody>
       </p:sp>
@@ -19759,7 +19715,6 @@
               <a:rPr lang="zh-CN" altLang="en-US" dirty="0"/>
               <a:t>接收分布式事件</a:t>
             </a:r>
-            <a:endParaRPr lang="zh-CN" altLang="en-US" dirty="0"/>
           </a:p>
         </p:txBody>
       </p:sp>
@@ -19835,7 +19790,6 @@
               <a:rPr lang="zh-CN" altLang="en-US" dirty="0"/>
               <a:t>发送分布式事件</a:t>
             </a:r>
-            <a:endParaRPr lang="zh-CN" altLang="en-US" dirty="0"/>
           </a:p>
         </p:txBody>
       </p:sp>
@@ -19911,7 +19865,6 @@
               <a:rPr lang="zh-CN" altLang="en-US" dirty="0"/>
               <a:t>接收分布式事件</a:t>
             </a:r>
-            <a:endParaRPr lang="zh-CN" altLang="en-US" dirty="0"/>
           </a:p>
         </p:txBody>
       </p:sp>
@@ -20319,13 +20272,8 @@
           <a:p>
             <a:r>
               <a:rPr lang="zh-CN" altLang="en-US" dirty="0"/>
-              <a:t>传输</a:t>
-            </a:r>
-            <a:r>
-              <a:rPr lang="zh-CN" altLang="en-US" dirty="0"/>
-              <a:t>分布式事件</a:t>
-            </a:r>
-            <a:endParaRPr lang="zh-CN" altLang="en-US" dirty="0"/>
+              <a:t>传输分布式事件</a:t>
+            </a:r>
           </a:p>
         </p:txBody>
       </p:sp>
@@ -20554,13 +20502,8 @@
           <a:p>
             <a:r>
               <a:rPr lang="zh-CN" altLang="en-US" dirty="0"/>
-              <a:t>传输</a:t>
-            </a:r>
-            <a:r>
-              <a:rPr lang="zh-CN" altLang="en-US" dirty="0"/>
-              <a:t>分布式事件</a:t>
-            </a:r>
-            <a:endParaRPr lang="zh-CN" altLang="en-US" dirty="0"/>
+              <a:t>传输分布式事件</a:t>
+            </a:r>
           </a:p>
         </p:txBody>
       </p:sp>
@@ -21113,7 +21056,7 @@
         </p:nvCxnSpPr>
         <p:spPr bwMode="auto">
           <a:xfrm>
-            <a:off x="0" y="1340768"/>
+            <a:off x="0" y="1264568"/>
             <a:ext cx="9144000" cy="0"/>
           </a:xfrm>
           <a:prstGeom prst="line">
@@ -21146,7 +21089,7 @@
         </p:nvSpPr>
         <p:spPr bwMode="auto">
           <a:xfrm>
-            <a:off x="57150" y="620713"/>
+            <a:off x="57150" y="569913"/>
             <a:ext cx="792163" cy="863600"/>
           </a:xfrm>
           <a:prstGeom prst="roundRect">
@@ -21203,8 +21146,8 @@
         </p:nvSpPr>
         <p:spPr bwMode="auto">
           <a:xfrm>
-            <a:off x="285750" y="1372143"/>
-            <a:ext cx="8572500" cy="2022092"/>
+            <a:off x="285750" y="1168943"/>
+            <a:ext cx="8572500" cy="2285241"/>
           </a:xfrm>
           <a:prstGeom prst="rect">
             <a:avLst/>
@@ -21355,56 +21298,63 @@
                 <a:latin typeface="微软雅黑" pitchFamily="34" charset="-122"/>
                 <a:ea typeface="微软雅黑" pitchFamily="34" charset="-122"/>
               </a:rPr>
-              <a:t>平台分布式</a:t>
+              <a:t>平台分布式事件框架特点：每个事件应用节点在本地都保持和维护了一个</a:t>
+            </a:r>
+            <a:r>
+              <a:rPr lang="zh-CN" altLang="en-US" sz="2000" b="1" dirty="0" smtClean="0">
+                <a:latin typeface="微软雅黑" pitchFamily="34" charset="-122"/>
+                <a:ea typeface="微软雅黑" pitchFamily="34" charset="-122"/>
+              </a:rPr>
+              <a:t>远程事件目标地址薄</a:t>
             </a:r>
             <a:r>
               <a:rPr lang="zh-CN" altLang="en-US" sz="1500" dirty="0" smtClean="0">
                 <a:latin typeface="微软雅黑" pitchFamily="34" charset="-122"/>
                 <a:ea typeface="微软雅黑" pitchFamily="34" charset="-122"/>
               </a:rPr>
-              <a:t>事件框架特点</a:t>
+              <a:t>（应用节点</a:t>
+            </a:r>
+            <a:r>
+              <a:rPr lang="en-US" altLang="zh-CN" sz="1500" dirty="0" smtClean="0">
+                <a:latin typeface="微软雅黑" pitchFamily="34" charset="-122"/>
+                <a:ea typeface="微软雅黑" pitchFamily="34" charset="-122"/>
+              </a:rPr>
+              <a:t>Node</a:t>
             </a:r>
             <a:r>
               <a:rPr lang="zh-CN" altLang="en-US" sz="1500" dirty="0" smtClean="0">
                 <a:latin typeface="微软雅黑" pitchFamily="34" charset="-122"/>
                 <a:ea typeface="微软雅黑" pitchFamily="34" charset="-122"/>
               </a:rPr>
-              <a:t>：每个事件应用节点在本地都保持和维护了一个</a:t>
-            </a:r>
-            <a:r>
-              <a:rPr lang="zh-CN" altLang="en-US" sz="2000" b="1" dirty="0" smtClean="0">
-                <a:latin typeface="微软雅黑" pitchFamily="34" charset="-122"/>
-                <a:ea typeface="微软雅黑" pitchFamily="34" charset="-122"/>
-              </a:rPr>
-              <a:t>远程事件目标地址薄</a:t>
+              <a:t>地址薄），地址</a:t>
             </a:r>
             <a:r>
               <a:rPr lang="zh-CN" altLang="en-US" sz="1500" dirty="0" smtClean="0">
                 <a:latin typeface="微软雅黑" pitchFamily="34" charset="-122"/>
                 <a:ea typeface="微软雅黑" pitchFamily="34" charset="-122"/>
               </a:rPr>
-              <a:t>（</a:t>
+              <a:t>薄保持了有效成员地址</a:t>
+            </a:r>
+            <a:r>
+              <a:rPr lang="zh-CN" altLang="en-US" sz="1500" dirty="0">
+                <a:latin typeface="微软雅黑" pitchFamily="34" charset="-122"/>
+                <a:ea typeface="微软雅黑" pitchFamily="34" charset="-122"/>
+              </a:rPr>
+              <a:t>清单</a:t>
             </a:r>
             <a:r>
               <a:rPr lang="zh-CN" altLang="en-US" sz="1500" dirty="0" smtClean="0">
                 <a:latin typeface="微软雅黑" pitchFamily="34" charset="-122"/>
                 <a:ea typeface="微软雅黑" pitchFamily="34" charset="-122"/>
               </a:rPr>
-              <a:t>应用节点</a:t>
-            </a:r>
-            <a:r>
-              <a:rPr lang="en-US" altLang="zh-CN" sz="1500" dirty="0" smtClean="0">
-                <a:latin typeface="微软雅黑" pitchFamily="34" charset="-122"/>
-                <a:ea typeface="微软雅黑" pitchFamily="34" charset="-122"/>
-              </a:rPr>
-              <a:t>Node</a:t>
+              <a:t>，是</a:t>
             </a:r>
             <a:r>
               <a:rPr lang="zh-CN" altLang="en-US" sz="1500" dirty="0" smtClean="0">
                 <a:latin typeface="微软雅黑" pitchFamily="34" charset="-122"/>
                 <a:ea typeface="微软雅黑" pitchFamily="34" charset="-122"/>
               </a:rPr>
-              <a:t>地址薄），地址薄是动态更新的。</a:t>
+              <a:t>动态更新的。</a:t>
             </a:r>
             <a:r>
               <a:rPr lang="zh-CN" altLang="en-US" sz="1500" dirty="0">
@@ -21498,7 +21448,7 @@
         </p:nvSpPr>
         <p:spPr bwMode="auto">
           <a:xfrm>
-            <a:off x="1610506" y="692497"/>
+            <a:off x="1610506" y="641697"/>
             <a:ext cx="1223293" cy="576263"/>
           </a:xfrm>
           <a:prstGeom prst="chevron">
@@ -21549,7 +21499,7 @@
         </p:nvSpPr>
         <p:spPr bwMode="auto">
           <a:xfrm>
-            <a:off x="4202832" y="709613"/>
+            <a:off x="4202832" y="658813"/>
             <a:ext cx="1809328" cy="576262"/>
           </a:xfrm>
           <a:prstGeom prst="chevron">
@@ -21631,7 +21581,7 @@
         </p:nvSpPr>
         <p:spPr bwMode="auto">
           <a:xfrm>
-            <a:off x="2618656" y="692497"/>
+            <a:off x="2618656" y="641697"/>
             <a:ext cx="1784424" cy="576263"/>
           </a:xfrm>
           <a:prstGeom prst="chevron">
@@ -21696,7 +21646,7 @@
         </p:nvSpPr>
         <p:spPr bwMode="auto">
           <a:xfrm>
-            <a:off x="827584" y="692497"/>
+            <a:off x="827584" y="641697"/>
             <a:ext cx="864096" cy="576263"/>
           </a:xfrm>
           <a:prstGeom prst="homePlate">
@@ -23741,7 +23691,7 @@
             </a:r>
             <a:r>
               <a:rPr lang="en-US" altLang="zh-CN" sz="1000" dirty="0" smtClean="0"/>
-              <a:t>,,C,D</a:t>
+              <a:t>,C,D</a:t>
             </a:r>
             <a:endParaRPr lang="zh-CN" altLang="en-US" sz="1000" dirty="0"/>
           </a:p>

--- a/文档/平台分布式事件框架介绍.pptx
+++ b/文档/平台分布式事件框架介绍.pptx
@@ -3451,7 +3451,7 @@
           <a:p>
             <a:fld id="{F3884A90-E904-45C9-8029-9EC010CE5385}" type="datetimeFigureOut">
               <a:rPr lang="zh-CN" altLang="en-US" smtClean="0"/>
-              <a:t>2014/12/30</a:t>
+              <a:t>2014/12/31</a:t>
             </a:fld>
             <a:endParaRPr lang="zh-CN" altLang="en-US"/>
           </a:p>
@@ -3616,7 +3616,7 @@
           <a:p>
             <a:fld id="{97533E92-6E11-4012-9FFD-C518C7720CE5}" type="datetimeFigureOut">
               <a:rPr lang="zh-CN" altLang="en-US" smtClean="0"/>
-              <a:t>2014/12/30</a:t>
+              <a:t>2014/12/31</a:t>
             </a:fld>
             <a:endParaRPr lang="zh-CN" altLang="en-US"/>
           </a:p>
@@ -4645,7 +4645,7 @@
           <a:p>
             <a:fld id="{27A6EF20-78E2-44F4-9691-E11D24E0EE72}" type="datetime1">
               <a:rPr lang="zh-CN" altLang="en-US" smtClean="0"/>
-              <a:t>2014/12/30</a:t>
+              <a:t>2014/12/31</a:t>
             </a:fld>
             <a:endParaRPr lang="zh-CN" altLang="en-US" dirty="0"/>
           </a:p>
@@ -4751,7 +4751,7 @@
           <a:p>
             <a:fld id="{813283B1-1446-4F80-A9EB-F57E382195D1}" type="datetime1">
               <a:rPr lang="zh-CN" altLang="en-US" smtClean="0"/>
-              <a:t>2014/12/30</a:t>
+              <a:t>2014/12/31</a:t>
             </a:fld>
             <a:endParaRPr lang="zh-CN" altLang="en-US" dirty="0"/>
           </a:p>
@@ -6562,7 +6562,7 @@
           <a:p>
             <a:fld id="{D7646321-B1DD-42DC-A054-BA47414388AD}" type="datetime1">
               <a:rPr lang="zh-CN" altLang="en-US" smtClean="0"/>
-              <a:t>2014/12/30</a:t>
+              <a:t>2014/12/31</a:t>
             </a:fld>
             <a:endParaRPr lang="zh-CN" altLang="en-US"/>
           </a:p>
@@ -7573,7 +7573,7 @@
           <a:p>
             <a:fld id="{27A6EF20-78E2-44F4-9691-E11D24E0EE72}" type="datetime1">
               <a:rPr lang="zh-CN" altLang="en-US" smtClean="0"/>
-              <a:t>2014/12/30</a:t>
+              <a:t>2014/12/31</a:t>
             </a:fld>
             <a:endParaRPr lang="zh-CN" altLang="en-US" dirty="0"/>
           </a:p>
@@ -11497,7 +11497,7 @@
         <p:spPr>
           <a:xfrm>
             <a:off x="261868" y="2276872"/>
-            <a:ext cx="5750292" cy="3985706"/>
+            <a:ext cx="5750292" cy="4093428"/>
           </a:xfrm>
           <a:prstGeom prst="rect">
             <a:avLst/>
@@ -11664,151 +11664,165 @@
           </a:p>
           <a:p>
             <a:r>
+              <a:rPr lang="en-US" altLang="zh-CN" sz="1100" dirty="0" err="1" smtClean="0"/>
+              <a:t>EventHandle.</a:t>
+            </a:r>
+            <a:r>
+              <a:rPr lang="en-US" altLang="zh-CN" sz="1100" i="1" dirty="0" err="1" smtClean="0"/>
+              <a:t>sendEvent</a:t>
+            </a:r>
+            <a:r>
+              <a:rPr lang="en-US" altLang="zh-CN" sz="1100" i="1" dirty="0" smtClean="0"/>
+              <a:t>(</a:t>
+            </a:r>
+            <a:r>
+              <a:rPr lang="en-US" altLang="zh-CN" sz="1100" b="1" dirty="0" smtClean="0"/>
+              <a:t>event);</a:t>
+            </a:r>
+            <a:endParaRPr lang="en-US" altLang="zh-CN" sz="1100" i="1" dirty="0" smtClean="0"/>
+          </a:p>
+          <a:p>
+            <a:r>
+              <a:rPr lang="en-US" altLang="zh-CN" sz="1100" dirty="0" smtClean="0"/>
+              <a:t>}</a:t>
+            </a:r>
+          </a:p>
+          <a:p>
+            <a:r>
+              <a:rPr lang="en-US" altLang="zh-CN" sz="1100" b="1" dirty="0" smtClean="0"/>
+              <a:t>if(</a:t>
+            </a:r>
+            <a:r>
+              <a:rPr lang="en-US" altLang="zh-CN" sz="1100" b="1" dirty="0" err="1" smtClean="0"/>
+              <a:t>addresses.size</a:t>
+            </a:r>
+            <a:r>
+              <a:rPr lang="en-US" altLang="zh-CN" sz="1100" b="1" dirty="0"/>
+              <a:t>() &gt; 2)//</a:t>
+            </a:r>
+            <a:r>
+              <a:rPr lang="zh-CN" altLang="en-US" sz="1100" b="1" dirty="0"/>
+              <a:t>往前两个节点发送数据</a:t>
+            </a:r>
+          </a:p>
+          <a:p>
+            <a:r>
+              <a:rPr lang="en-US" altLang="zh-CN" sz="1100" dirty="0"/>
+              <a:t>{</a:t>
+            </a:r>
+          </a:p>
+          <a:p>
+            <a:endParaRPr lang="zh-CN" altLang="en-US" sz="1100" dirty="0"/>
+          </a:p>
+          <a:p>
+            <a:r>
+              <a:rPr lang="en-US" altLang="zh-CN" sz="1100" dirty="0" err="1"/>
+              <a:t>defualtprotocoltarget</a:t>
+            </a:r>
+            <a:r>
+              <a:rPr lang="en-US" altLang="zh-CN" sz="1100" dirty="0"/>
+              <a:t> = </a:t>
+            </a:r>
+            <a:r>
+              <a:rPr lang="en-US" altLang="zh-CN" sz="1100" b="1" dirty="0"/>
+              <a:t>new </a:t>
+            </a:r>
+            <a:r>
+              <a:rPr lang="en-US" altLang="zh-CN" sz="1100" b="1" dirty="0" err="1"/>
+              <a:t>EventTarget</a:t>
+            </a:r>
+            <a:r>
+              <a:rPr lang="en-US" altLang="zh-CN" sz="1100" b="1" dirty="0"/>
+              <a:t>(</a:t>
+            </a:r>
+            <a:r>
+              <a:rPr lang="en-US" altLang="zh-CN" sz="1100" b="1" dirty="0" err="1"/>
+              <a:t>addresses.subList</a:t>
+            </a:r>
+            <a:r>
+              <a:rPr lang="en-US" altLang="zh-CN" sz="1100" b="1" dirty="0"/>
+              <a:t>(0, 2));</a:t>
+            </a:r>
+          </a:p>
+          <a:p>
+            <a:r>
+              <a:rPr lang="en-US" altLang="zh-CN" sz="1100" dirty="0"/>
+              <a:t>event = </a:t>
+            </a:r>
+            <a:r>
+              <a:rPr lang="en-US" altLang="zh-CN" sz="1100" b="1" u="sng" dirty="0"/>
+              <a:t>new </a:t>
+            </a:r>
+            <a:r>
+              <a:rPr lang="en-US" altLang="zh-CN" sz="1100" b="1" u="sng" dirty="0" err="1"/>
+              <a:t>EventImpl</a:t>
+            </a:r>
+            <a:r>
+              <a:rPr lang="en-US" altLang="zh-CN" sz="1100" b="1" u="sng" dirty="0"/>
+              <a:t>("hello world type2 with </a:t>
+            </a:r>
+            <a:r>
+              <a:rPr lang="en-US" altLang="zh-CN" sz="1100" b="1" u="sng" dirty="0" err="1"/>
+              <a:t>jgroups</a:t>
+            </a:r>
+            <a:r>
+              <a:rPr lang="en-US" altLang="zh-CN" sz="1100" b="1" u="sng" dirty="0"/>
+              <a:t> target[" + </a:t>
+            </a:r>
+            <a:r>
+              <a:rPr lang="en-US" altLang="zh-CN" sz="1100" b="1" u="sng" dirty="0" err="1"/>
+              <a:t>defualtprotocoltarget</a:t>
+            </a:r>
+            <a:r>
+              <a:rPr lang="en-US" altLang="zh-CN" sz="1100" b="1" u="sng" dirty="0"/>
+              <a:t> +"].",</a:t>
+            </a:r>
+          </a:p>
+          <a:p>
+            <a:r>
+              <a:rPr lang="en-US" altLang="zh-CN" sz="1100" u="sng" dirty="0"/>
+              <a:t>ExampleEventType.</a:t>
+            </a:r>
+            <a:r>
+              <a:rPr lang="en-US" altLang="zh-CN" sz="1100" i="1" u="sng" dirty="0"/>
+              <a:t>type2withtarget,</a:t>
+            </a:r>
+          </a:p>
+          <a:p>
+            <a:r>
+              <a:rPr lang="en-US" altLang="zh-CN" sz="1100" u="sng" dirty="0" err="1"/>
+              <a:t>defualtprotocoltarget</a:t>
+            </a:r>
+            <a:r>
+              <a:rPr lang="en-US" altLang="zh-CN" sz="1100" u="sng" dirty="0"/>
+              <a:t>);</a:t>
+            </a:r>
+          </a:p>
+          <a:p>
+            <a:endParaRPr lang="zh-CN" altLang="en-US" sz="1100" dirty="0"/>
+          </a:p>
+          <a:p>
+            <a:r>
               <a:rPr lang="en-US" altLang="zh-CN" sz="1100" dirty="0" err="1"/>
               <a:t>EventHandle.</a:t>
             </a:r>
             <a:r>
               <a:rPr lang="en-US" altLang="zh-CN" sz="1100" i="1" dirty="0" err="1"/>
-              <a:t>getInstance</a:t>
+              <a:t>sendEvent</a:t>
             </a:r>
             <a:r>
               <a:rPr lang="en-US" altLang="zh-CN" sz="1100" i="1" dirty="0"/>
-              <a:t>().change(event);</a:t>
-            </a:r>
-          </a:p>
-          <a:p>
-            <a:r>
-              <a:rPr lang="en-US" altLang="zh-CN" sz="1100" dirty="0"/>
-              <a:t>}</a:t>
-            </a:r>
-          </a:p>
-          <a:p>
+              <a:t>(</a:t>
+            </a:r>
             <a:r>
               <a:rPr lang="en-US" altLang="zh-CN" sz="1100" b="1" dirty="0"/>
-              <a:t>if(</a:t>
-            </a:r>
-            <a:r>
-              <a:rPr lang="en-US" altLang="zh-CN" sz="1100" b="1" dirty="0" err="1"/>
-              <a:t>addresses.size</a:t>
-            </a:r>
-            <a:r>
-              <a:rPr lang="en-US" altLang="zh-CN" sz="1100" b="1" dirty="0"/>
-              <a:t>() &gt; 2)//</a:t>
-            </a:r>
-            <a:r>
-              <a:rPr lang="zh-CN" altLang="en-US" sz="1100" b="1" dirty="0"/>
-              <a:t>往前两个节点发送数据</a:t>
-            </a:r>
-          </a:p>
-          <a:p>
-            <a:r>
-              <a:rPr lang="en-US" altLang="zh-CN" sz="1100" dirty="0"/>
-              <a:t>{</a:t>
-            </a:r>
-          </a:p>
-          <a:p>
-            <a:endParaRPr lang="zh-CN" altLang="en-US" sz="1100" dirty="0"/>
-          </a:p>
-          <a:p>
-            <a:r>
-              <a:rPr lang="en-US" altLang="zh-CN" sz="1100" dirty="0" err="1"/>
-              <a:t>defualtprotocoltarget</a:t>
-            </a:r>
-            <a:r>
-              <a:rPr lang="en-US" altLang="zh-CN" sz="1100" dirty="0"/>
-              <a:t> = </a:t>
-            </a:r>
-            <a:r>
-              <a:rPr lang="en-US" altLang="zh-CN" sz="1100" b="1" dirty="0"/>
-              <a:t>new </a:t>
-            </a:r>
-            <a:r>
-              <a:rPr lang="en-US" altLang="zh-CN" sz="1100" b="1" dirty="0" err="1"/>
-              <a:t>EventTarget</a:t>
-            </a:r>
-            <a:r>
-              <a:rPr lang="en-US" altLang="zh-CN" sz="1100" b="1" dirty="0"/>
-              <a:t>(</a:t>
-            </a:r>
-            <a:r>
-              <a:rPr lang="en-US" altLang="zh-CN" sz="1100" b="1" dirty="0" err="1"/>
-              <a:t>addresses.subList</a:t>
-            </a:r>
-            <a:r>
-              <a:rPr lang="en-US" altLang="zh-CN" sz="1100" b="1" dirty="0"/>
-              <a:t>(0, 2));</a:t>
-            </a:r>
-          </a:p>
-          <a:p>
-            <a:r>
-              <a:rPr lang="en-US" altLang="zh-CN" sz="1100" dirty="0"/>
-              <a:t>event = </a:t>
-            </a:r>
-            <a:r>
-              <a:rPr lang="en-US" altLang="zh-CN" sz="1100" b="1" u="sng" dirty="0"/>
-              <a:t>new </a:t>
-            </a:r>
-            <a:r>
-              <a:rPr lang="en-US" altLang="zh-CN" sz="1100" b="1" u="sng" dirty="0" err="1"/>
-              <a:t>EventImpl</a:t>
-            </a:r>
-            <a:r>
-              <a:rPr lang="en-US" altLang="zh-CN" sz="1100" b="1" u="sng" dirty="0"/>
-              <a:t>("hello world type2 with </a:t>
-            </a:r>
-            <a:r>
-              <a:rPr lang="en-US" altLang="zh-CN" sz="1100" b="1" u="sng" dirty="0" err="1"/>
-              <a:t>jgroups</a:t>
-            </a:r>
-            <a:r>
-              <a:rPr lang="en-US" altLang="zh-CN" sz="1100" b="1" u="sng" dirty="0"/>
-              <a:t> target[" + </a:t>
-            </a:r>
-            <a:r>
-              <a:rPr lang="en-US" altLang="zh-CN" sz="1100" b="1" u="sng" dirty="0" err="1"/>
-              <a:t>defualtprotocoltarget</a:t>
-            </a:r>
-            <a:r>
-              <a:rPr lang="en-US" altLang="zh-CN" sz="1100" b="1" u="sng" dirty="0"/>
-              <a:t> +"].",</a:t>
-            </a:r>
-          </a:p>
-          <a:p>
-            <a:r>
-              <a:rPr lang="en-US" altLang="zh-CN" sz="1100" u="sng" dirty="0"/>
-              <a:t>ExampleEventType.</a:t>
-            </a:r>
-            <a:r>
-              <a:rPr lang="en-US" altLang="zh-CN" sz="1100" i="1" u="sng" dirty="0"/>
-              <a:t>type2withtarget,</a:t>
-            </a:r>
-          </a:p>
-          <a:p>
-            <a:r>
-              <a:rPr lang="en-US" altLang="zh-CN" sz="1100" u="sng" dirty="0" err="1"/>
-              <a:t>defualtprotocoltarget</a:t>
-            </a:r>
-            <a:r>
-              <a:rPr lang="en-US" altLang="zh-CN" sz="1100" u="sng" dirty="0"/>
+              <a:t>event</a:t>
+            </a:r>
+            <a:r>
+              <a:rPr lang="en-US" altLang="zh-CN" sz="1100" i="1" dirty="0" smtClean="0"/>
               <a:t>);</a:t>
             </a:r>
-          </a:p>
-          <a:p>
-            <a:endParaRPr lang="zh-CN" altLang="en-US" sz="1100" dirty="0"/>
-          </a:p>
-          <a:p>
-            <a:r>
-              <a:rPr lang="en-US" altLang="zh-CN" sz="1100" dirty="0" err="1"/>
-              <a:t>EventHandle.</a:t>
-            </a:r>
-            <a:r>
-              <a:rPr lang="en-US" altLang="zh-CN" sz="1100" i="1" dirty="0" err="1"/>
-              <a:t>getInstance</a:t>
-            </a:r>
-            <a:r>
-              <a:rPr lang="en-US" altLang="zh-CN" sz="1100" i="1" dirty="0"/>
-              <a:t>().change(event);</a:t>
-            </a:r>
+            <a:endParaRPr lang="en-US" altLang="zh-CN" sz="1100" i="1" dirty="0"/>
           </a:p>
           <a:p>
             <a:r>
@@ -12714,7 +12728,7 @@
         <p:spPr>
           <a:xfrm>
             <a:off x="81311" y="4576454"/>
-            <a:ext cx="8955186" cy="1477328"/>
+            <a:ext cx="8955186" cy="1754326"/>
           </a:xfrm>
           <a:prstGeom prst="rect">
             <a:avLst/>
@@ -12735,62 +12749,114 @@
           </a:p>
           <a:p>
             <a:r>
-              <a:rPr lang="en-US" altLang="zh-CN" dirty="0" err="1" smtClean="0"/>
+              <a:rPr lang="en-US" altLang="zh-CN" b="1" dirty="0" err="1" smtClean="0">
+                <a:solidFill>
+                  <a:srgbClr val="00B050"/>
+                </a:solidFill>
+              </a:rPr>
               <a:t>EventType</a:t>
             </a:r>
             <a:r>
-              <a:rPr lang="en-US" altLang="zh-CN" dirty="0" smtClean="0"/>
+              <a:rPr lang="en-US" altLang="zh-CN" b="1" dirty="0" smtClean="0">
+                <a:solidFill>
+                  <a:srgbClr val="00B050"/>
+                </a:solidFill>
+              </a:rPr>
               <a:t> </a:t>
             </a:r>
             <a:r>
-              <a:rPr lang="en-US" altLang="zh-CN" dirty="0" err="1" smtClean="0"/>
+              <a:rPr lang="en-US" altLang="zh-CN" b="1" dirty="0" err="1" smtClean="0">
+                <a:solidFill>
+                  <a:srgbClr val="00B050"/>
+                </a:solidFill>
+              </a:rPr>
               <a:t>eventtype</a:t>
             </a:r>
             <a:r>
-              <a:rPr lang="en-US" altLang="zh-CN" dirty="0" smtClean="0"/>
+              <a:rPr lang="en-US" altLang="zh-CN" b="1" dirty="0" smtClean="0">
+                <a:solidFill>
+                  <a:srgbClr val="00B050"/>
+                </a:solidFill>
+              </a:rPr>
               <a:t> </a:t>
             </a:r>
             <a:r>
-              <a:rPr lang="en-US" altLang="zh-CN" dirty="0"/>
-              <a:t>= </a:t>
-            </a:r>
-            <a:r>
-              <a:rPr lang="en-US" altLang="zh-CN" b="1" dirty="0"/>
-              <a:t>new </a:t>
-            </a:r>
-            <a:r>
-              <a:rPr lang="en-US" altLang="zh-CN" b="1" dirty="0" err="1"/>
+              <a:rPr lang="en-US" altLang="zh-CN" b="1" dirty="0">
+                <a:solidFill>
+                  <a:srgbClr val="00B050"/>
+                </a:solidFill>
+              </a:rPr>
+              <a:t>= new </a:t>
+            </a:r>
+            <a:r>
+              <a:rPr lang="en-US" altLang="zh-CN" b="1" dirty="0" err="1">
+                <a:solidFill>
+                  <a:srgbClr val="00B050"/>
+                </a:solidFill>
+              </a:rPr>
               <a:t>SimpleEventType</a:t>
             </a:r>
             <a:r>
-              <a:rPr lang="en-US" altLang="zh-CN" b="1" dirty="0" smtClean="0"/>
+              <a:rPr lang="en-US" altLang="zh-CN" b="1" dirty="0" smtClean="0">
+                <a:solidFill>
+                  <a:srgbClr val="00B050"/>
+                </a:solidFill>
+              </a:rPr>
               <a:t>("</a:t>
             </a:r>
             <a:r>
-              <a:rPr lang="en-US" altLang="zh-CN" b="1" dirty="0"/>
+              <a:rPr lang="en-US" altLang="zh-CN" b="1" dirty="0">
+                <a:solidFill>
+                  <a:srgbClr val="00B050"/>
+                </a:solidFill>
+              </a:rPr>
               <a:t> </a:t>
             </a:r>
             <a:r>
-              <a:rPr lang="en-US" altLang="zh-CN" b="1" dirty="0" err="1" smtClean="0"/>
+              <a:rPr lang="en-US" altLang="zh-CN" b="1" dirty="0" err="1" smtClean="0">
+                <a:solidFill>
+                  <a:srgbClr val="00B050"/>
+                </a:solidFill>
+              </a:rPr>
               <a:t>org_frameworkset_util_testtype</a:t>
             </a:r>
             <a:r>
-              <a:rPr lang="en-US" altLang="zh-CN" b="1" dirty="0" smtClean="0"/>
+              <a:rPr lang="en-US" altLang="zh-CN" b="1" dirty="0" smtClean="0">
+                <a:solidFill>
+                  <a:srgbClr val="00B050"/>
+                </a:solidFill>
+              </a:rPr>
               <a:t>");</a:t>
             </a:r>
-            <a:endParaRPr lang="en-US" altLang="zh-CN" b="1" dirty="0"/>
-          </a:p>
-          <a:p>
-            <a:r>
-              <a:rPr lang="en-US" altLang="zh-CN" dirty="0" err="1" smtClean="0"/>
+            <a:endParaRPr lang="en-US" altLang="zh-CN" b="1" dirty="0">
+              <a:solidFill>
+                <a:srgbClr val="00B050"/>
+              </a:solidFill>
+            </a:endParaRPr>
+          </a:p>
+          <a:p>
+            <a:r>
+              <a:rPr lang="en-US" altLang="zh-CN" b="1" dirty="0" err="1" smtClean="0">
+                <a:solidFill>
+                  <a:srgbClr val="00B050"/>
+                </a:solidFill>
+              </a:rPr>
               <a:t>NotifiableFactory.</a:t>
             </a:r>
             <a:r>
-              <a:rPr lang="en-US" altLang="zh-CN" i="1" dirty="0" err="1" smtClean="0"/>
+              <a:rPr lang="en-US" altLang="zh-CN" b="1" i="1" dirty="0" err="1" smtClean="0">
+                <a:solidFill>
+                  <a:srgbClr val="00B050"/>
+                </a:solidFill>
+              </a:rPr>
               <a:t>addListener</a:t>
             </a:r>
             <a:r>
-              <a:rPr lang="en-US" altLang="zh-CN" i="1" dirty="0" smtClean="0"/>
+              <a:rPr lang="en-US" altLang="zh-CN" b="1" i="1" dirty="0" smtClean="0">
+                <a:solidFill>
+                  <a:srgbClr val="00B050"/>
+                </a:solidFill>
+              </a:rPr>
               <a:t>(new </a:t>
             </a:r>
             <a:r>
@@ -12818,42 +12884,94 @@
               <a:t>()</a:t>
             </a:r>
             <a:r>
-              <a:rPr lang="en-US" altLang="zh-CN" b="1" i="1" dirty="0" smtClean="0"/>
+              <a:rPr lang="en-US" altLang="zh-CN" b="1" i="1" dirty="0" smtClean="0">
+                <a:solidFill>
+                  <a:srgbClr val="00B050"/>
+                </a:solidFill>
+              </a:rPr>
               <a:t>, </a:t>
             </a:r>
             <a:r>
-              <a:rPr lang="en-US" altLang="zh-CN" b="1" i="1" dirty="0" err="1"/>
+              <a:rPr lang="en-US" altLang="zh-CN" b="1" i="1" dirty="0" err="1">
+                <a:solidFill>
+                  <a:srgbClr val="00B050"/>
+                </a:solidFill>
+              </a:rPr>
               <a:t>eventtype</a:t>
             </a:r>
             <a:r>
-              <a:rPr lang="en-US" altLang="zh-CN" b="1" i="1" dirty="0" smtClean="0"/>
+              <a:rPr lang="en-US" altLang="zh-CN" b="1" i="1" dirty="0" smtClean="0">
+                <a:solidFill>
+                  <a:srgbClr val="00B050"/>
+                </a:solidFill>
+              </a:rPr>
               <a:t>);</a:t>
             </a:r>
             <a:r>
               <a:rPr lang="zh-CN" altLang="en-US" b="1" i="1" dirty="0" smtClean="0"/>
-              <a:t>注册并指定监听器需要监听的事件类型，这列只指定了一个类型，还可以指定多个事件类型（</a:t>
-            </a:r>
-            <a:r>
-              <a:rPr lang="en-US" altLang="zh-CN" b="1" i="1" dirty="0" smtClean="0"/>
-              <a:t>List</a:t>
+              <a:t>注册并指定监听器需要监听的事件类型，</a:t>
             </a:r>
             <a:r>
               <a:rPr lang="zh-CN" altLang="en-US" b="1" i="1" dirty="0" smtClean="0"/>
-              <a:t>列表），例如：</a:t>
+              <a:t>这</a:t>
+            </a:r>
+            <a:r>
+              <a:rPr lang="zh-CN" altLang="en-US" b="1" i="1" dirty="0"/>
+              <a:t>里</a:t>
+            </a:r>
+            <a:r>
+              <a:rPr lang="zh-CN" altLang="en-US" b="1" i="1" dirty="0" smtClean="0"/>
+              <a:t>只</a:t>
+            </a:r>
+            <a:r>
+              <a:rPr lang="zh-CN" altLang="en-US" b="1" i="1" dirty="0" smtClean="0"/>
+              <a:t>指定了一个类型，还</a:t>
+            </a:r>
+            <a:r>
+              <a:rPr lang="zh-CN" altLang="en-US" b="1" i="1" dirty="0" smtClean="0"/>
+              <a:t>可以指定</a:t>
+            </a:r>
+            <a:r>
+              <a:rPr lang="zh-CN" altLang="en-US" b="1" i="1" dirty="0"/>
+              <a:t>监听器监听多个类型的</a:t>
+            </a:r>
+            <a:r>
+              <a:rPr lang="zh-CN" altLang="en-US" b="1" i="1" dirty="0" smtClean="0"/>
+              <a:t>事件</a:t>
+            </a:r>
+            <a:r>
+              <a:rPr lang="zh-CN" altLang="en-US" b="1" i="1" dirty="0" smtClean="0"/>
+              <a:t>，</a:t>
+            </a:r>
+            <a:r>
+              <a:rPr lang="zh-CN" altLang="en-US" b="1" i="1" dirty="0" smtClean="0"/>
+              <a:t>例如：</a:t>
             </a:r>
             <a:endParaRPr lang="en-US" altLang="zh-CN" b="1" i="1" dirty="0" smtClean="0"/>
           </a:p>
           <a:p>
             <a:r>
-              <a:rPr lang="en-US" altLang="zh-CN" dirty="0" err="1"/>
+              <a:rPr lang="en-US" altLang="zh-CN" b="1" dirty="0" err="1">
+                <a:solidFill>
+                  <a:srgbClr val="00B050"/>
+                </a:solidFill>
+              </a:rPr>
               <a:t>NotifiableFactory.</a:t>
             </a:r>
             <a:r>
-              <a:rPr lang="en-US" altLang="zh-CN" i="1" dirty="0" err="1"/>
+              <a:rPr lang="en-US" altLang="zh-CN" b="1" i="1" dirty="0" err="1">
+                <a:solidFill>
+                  <a:srgbClr val="00B050"/>
+                </a:solidFill>
+              </a:rPr>
               <a:t>addListener</a:t>
             </a:r>
             <a:r>
-              <a:rPr lang="en-US" altLang="zh-CN" i="1" dirty="0"/>
+              <a:rPr lang="en-US" altLang="zh-CN" b="1" i="1" dirty="0">
+                <a:solidFill>
+                  <a:srgbClr val="00B050"/>
+                </a:solidFill>
+              </a:rPr>
               <a:t>(new </a:t>
             </a:r>
             <a:r>
@@ -12873,30 +12991,58 @@
               <a:t> ()</a:t>
             </a:r>
             <a:r>
-              <a:rPr lang="en-US" altLang="zh-CN" b="1" i="1" dirty="0"/>
+              <a:rPr lang="en-US" altLang="zh-CN" b="1" i="1" dirty="0">
+                <a:solidFill>
+                  <a:srgbClr val="00B050"/>
+                </a:solidFill>
+              </a:rPr>
               <a:t>, </a:t>
             </a:r>
             <a:r>
-              <a:rPr lang="en-US" altLang="zh-CN" b="1" i="1" dirty="0" smtClean="0"/>
+              <a:rPr lang="en-US" altLang="zh-CN" b="1" i="1" dirty="0" smtClean="0">
+                <a:solidFill>
+                  <a:srgbClr val="00B050"/>
+                </a:solidFill>
+              </a:rPr>
               <a:t>List&lt;</a:t>
             </a:r>
             <a:r>
-              <a:rPr lang="en-US" altLang="zh-CN" b="1" i="1" dirty="0" err="1" smtClean="0"/>
+              <a:rPr lang="en-US" altLang="zh-CN" b="1" i="1" dirty="0" err="1" smtClean="0">
+                <a:solidFill>
+                  <a:srgbClr val="00B050"/>
+                </a:solidFill>
+              </a:rPr>
               <a:t>Eventtype</a:t>
             </a:r>
             <a:r>
-              <a:rPr lang="en-US" altLang="zh-CN" b="1" i="1" dirty="0" smtClean="0"/>
+              <a:rPr lang="en-US" altLang="zh-CN" b="1" i="1" dirty="0" smtClean="0">
+                <a:solidFill>
+                  <a:srgbClr val="00B050"/>
+                </a:solidFill>
+              </a:rPr>
               <a:t>&gt; </a:t>
             </a:r>
             <a:r>
-              <a:rPr lang="en-US" altLang="zh-CN" b="1" i="1" dirty="0" err="1" smtClean="0"/>
+              <a:rPr lang="en-US" altLang="zh-CN" b="1" i="1" dirty="0" err="1" smtClean="0">
+                <a:solidFill>
+                  <a:srgbClr val="00B050"/>
+                </a:solidFill>
+              </a:rPr>
               <a:t>eventTypes</a:t>
             </a:r>
             <a:r>
-              <a:rPr lang="en-US" altLang="zh-CN" b="1" i="1" dirty="0" smtClean="0"/>
+              <a:rPr lang="en-US" altLang="zh-CN" b="1" i="1" dirty="0" smtClean="0">
+                <a:solidFill>
+                  <a:srgbClr val="00B050"/>
+                </a:solidFill>
+              </a:rPr>
               <a:t>);</a:t>
             </a:r>
-            <a:endParaRPr lang="zh-CN" altLang="en-US" dirty="0"/>
+            <a:endParaRPr lang="zh-CN" altLang="en-US" b="1" dirty="0">
+              <a:solidFill>
+                <a:srgbClr val="00B050"/>
+              </a:solidFill>
+            </a:endParaRPr>
           </a:p>
         </p:txBody>
       </p:sp>
@@ -21326,35 +21472,21 @@
                 <a:latin typeface="微软雅黑" pitchFamily="34" charset="-122"/>
                 <a:ea typeface="微软雅黑" pitchFamily="34" charset="-122"/>
               </a:rPr>
-              <a:t>地址薄），地址</a:t>
+              <a:t>地址薄），地址薄保持了有效成员地址</a:t>
+            </a:r>
+            <a:r>
+              <a:rPr lang="zh-CN" altLang="en-US" sz="1500" dirty="0">
+                <a:latin typeface="微软雅黑" pitchFamily="34" charset="-122"/>
+                <a:ea typeface="微软雅黑" pitchFamily="34" charset="-122"/>
+              </a:rPr>
+              <a:t>清单</a:t>
             </a:r>
             <a:r>
               <a:rPr lang="zh-CN" altLang="en-US" sz="1500" dirty="0" smtClean="0">
                 <a:latin typeface="微软雅黑" pitchFamily="34" charset="-122"/>
                 <a:ea typeface="微软雅黑" pitchFamily="34" charset="-122"/>
               </a:rPr>
-              <a:t>薄保持了有效成员地址</a:t>
-            </a:r>
-            <a:r>
-              <a:rPr lang="zh-CN" altLang="en-US" sz="1500" dirty="0">
-                <a:latin typeface="微软雅黑" pitchFamily="34" charset="-122"/>
-                <a:ea typeface="微软雅黑" pitchFamily="34" charset="-122"/>
-              </a:rPr>
-              <a:t>清单</a:t>
-            </a:r>
-            <a:r>
-              <a:rPr lang="zh-CN" altLang="en-US" sz="1500" dirty="0" smtClean="0">
-                <a:latin typeface="微软雅黑" pitchFamily="34" charset="-122"/>
-                <a:ea typeface="微软雅黑" pitchFamily="34" charset="-122"/>
-              </a:rPr>
-              <a:t>，是</a:t>
-            </a:r>
-            <a:r>
-              <a:rPr lang="zh-CN" altLang="en-US" sz="1500" dirty="0" smtClean="0">
-                <a:latin typeface="微软雅黑" pitchFamily="34" charset="-122"/>
-                <a:ea typeface="微软雅黑" pitchFamily="34" charset="-122"/>
-              </a:rPr>
-              <a:t>动态更新的。</a:t>
+              <a:t>，是动态更新的。</a:t>
             </a:r>
             <a:r>
               <a:rPr lang="zh-CN" altLang="en-US" sz="1500" dirty="0">
@@ -22646,48 +22778,48 @@
           <a:lstStyle/>
           <a:p>
             <a:r>
-              <a:rPr lang="zh-CN" altLang="en-US" dirty="0" smtClean="0">
-                <a:solidFill>
-                  <a:srgbClr val="00B050"/>
+              <a:rPr lang="zh-CN" altLang="en-US" b="1" dirty="0" smtClean="0">
+                <a:solidFill>
+                  <a:schemeClr val="accent6"/>
                 </a:solidFill>
               </a:rPr>
               <a:t>在时间点</a:t>
             </a:r>
             <a:r>
-              <a:rPr lang="en-US" altLang="zh-CN" dirty="0" smtClean="0">
-                <a:solidFill>
-                  <a:srgbClr val="00B050"/>
+              <a:rPr lang="en-US" altLang="zh-CN" b="1" dirty="0" smtClean="0">
+                <a:solidFill>
+                  <a:schemeClr val="accent6"/>
                 </a:solidFill>
               </a:rPr>
               <a:t>2</a:t>
             </a:r>
             <a:r>
-              <a:rPr lang="zh-CN" altLang="en-US" dirty="0" smtClean="0">
-                <a:solidFill>
-                  <a:srgbClr val="00B050"/>
+              <a:rPr lang="zh-CN" altLang="en-US" b="1" dirty="0" smtClean="0">
+                <a:solidFill>
+                  <a:schemeClr val="accent6"/>
                 </a:solidFill>
               </a:rPr>
               <a:t>，节点</a:t>
             </a:r>
             <a:r>
-              <a:rPr lang="en-US" altLang="zh-CN" dirty="0" smtClean="0">
-                <a:solidFill>
-                  <a:srgbClr val="00B050"/>
+              <a:rPr lang="en-US" altLang="zh-CN" b="1" dirty="0" smtClean="0">
+                <a:solidFill>
+                  <a:schemeClr val="accent6"/>
                 </a:solidFill>
               </a:rPr>
               <a:t>D</a:t>
             </a:r>
             <a:r>
-              <a:rPr lang="zh-CN" altLang="en-US" dirty="0" smtClean="0">
-                <a:solidFill>
-                  <a:srgbClr val="00B050"/>
+              <a:rPr lang="zh-CN" altLang="en-US" b="1" dirty="0" smtClean="0">
+                <a:solidFill>
+                  <a:schemeClr val="accent6"/>
                 </a:solidFill>
               </a:rPr>
               <a:t>加入集群环境</a:t>
             </a:r>
-            <a:endParaRPr lang="zh-CN" altLang="en-US" dirty="0">
+            <a:endParaRPr lang="zh-CN" altLang="en-US" b="1" dirty="0">
               <a:solidFill>
-                <a:srgbClr val="00B050"/>
+                <a:schemeClr val="accent6"/>
               </a:solidFill>
             </a:endParaRPr>
           </a:p>
@@ -24066,48 +24198,48 @@
           <a:lstStyle/>
           <a:p>
             <a:r>
-              <a:rPr lang="zh-CN" altLang="en-US" dirty="0" smtClean="0">
-                <a:solidFill>
-                  <a:srgbClr val="00B050"/>
+              <a:rPr lang="zh-CN" altLang="en-US" b="1" dirty="0" smtClean="0">
+                <a:solidFill>
+                  <a:schemeClr val="accent6"/>
                 </a:solidFill>
               </a:rPr>
               <a:t>在时间点</a:t>
             </a:r>
             <a:r>
-              <a:rPr lang="en-US" altLang="zh-CN" dirty="0" smtClean="0">
-                <a:solidFill>
-                  <a:srgbClr val="00B050"/>
+              <a:rPr lang="en-US" altLang="zh-CN" b="1" dirty="0" smtClean="0">
+                <a:solidFill>
+                  <a:schemeClr val="accent6"/>
                 </a:solidFill>
               </a:rPr>
               <a:t>3</a:t>
             </a:r>
             <a:r>
-              <a:rPr lang="zh-CN" altLang="en-US" dirty="0" smtClean="0">
-                <a:solidFill>
-                  <a:srgbClr val="00B050"/>
+              <a:rPr lang="zh-CN" altLang="en-US" b="1" dirty="0" smtClean="0">
+                <a:solidFill>
+                  <a:schemeClr val="accent6"/>
                 </a:solidFill>
               </a:rPr>
               <a:t>，节点</a:t>
             </a:r>
             <a:r>
-              <a:rPr lang="en-US" altLang="zh-CN" dirty="0" smtClean="0">
-                <a:solidFill>
-                  <a:srgbClr val="00B050"/>
+              <a:rPr lang="en-US" altLang="zh-CN" b="1" dirty="0" smtClean="0">
+                <a:solidFill>
+                  <a:schemeClr val="accent6"/>
                 </a:solidFill>
               </a:rPr>
               <a:t>B</a:t>
             </a:r>
             <a:r>
-              <a:rPr lang="zh-CN" altLang="en-US" dirty="0" smtClean="0">
-                <a:solidFill>
-                  <a:srgbClr val="00B050"/>
+              <a:rPr lang="zh-CN" altLang="en-US" b="1" dirty="0" smtClean="0">
+                <a:solidFill>
+                  <a:schemeClr val="accent6"/>
                 </a:solidFill>
               </a:rPr>
               <a:t>关闭离开集群环境</a:t>
             </a:r>
-            <a:endParaRPr lang="zh-CN" altLang="en-US" dirty="0">
+            <a:endParaRPr lang="zh-CN" altLang="en-US" b="1" dirty="0">
               <a:solidFill>
-                <a:srgbClr val="00B050"/>
+                <a:schemeClr val="accent6"/>
               </a:solidFill>
             </a:endParaRPr>
           </a:p>

--- a/文档/平台分布式事件框架介绍.pptx
+++ b/文档/平台分布式事件框架介绍.pptx
@@ -3451,7 +3451,7 @@
           <a:p>
             <a:fld id="{F3884A90-E904-45C9-8029-9EC010CE5385}" type="datetimeFigureOut">
               <a:rPr lang="zh-CN" altLang="en-US" smtClean="0"/>
-              <a:t>2014/12/31</a:t>
+              <a:t>2015/1/6</a:t>
             </a:fld>
             <a:endParaRPr lang="zh-CN" altLang="en-US"/>
           </a:p>
@@ -3616,7 +3616,7 @@
           <a:p>
             <a:fld id="{97533E92-6E11-4012-9FFD-C518C7720CE5}" type="datetimeFigureOut">
               <a:rPr lang="zh-CN" altLang="en-US" smtClean="0"/>
-              <a:t>2014/12/31</a:t>
+              <a:t>2015/1/6</a:t>
             </a:fld>
             <a:endParaRPr lang="zh-CN" altLang="en-US"/>
           </a:p>
@@ -4645,7 +4645,7 @@
           <a:p>
             <a:fld id="{27A6EF20-78E2-44F4-9691-E11D24E0EE72}" type="datetime1">
               <a:rPr lang="zh-CN" altLang="en-US" smtClean="0"/>
-              <a:t>2014/12/31</a:t>
+              <a:t>2015/1/6</a:t>
             </a:fld>
             <a:endParaRPr lang="zh-CN" altLang="en-US" dirty="0"/>
           </a:p>
@@ -4751,7 +4751,7 @@
           <a:p>
             <a:fld id="{813283B1-1446-4F80-A9EB-F57E382195D1}" type="datetime1">
               <a:rPr lang="zh-CN" altLang="en-US" smtClean="0"/>
-              <a:t>2014/12/31</a:t>
+              <a:t>2015/1/6</a:t>
             </a:fld>
             <a:endParaRPr lang="zh-CN" altLang="en-US" dirty="0"/>
           </a:p>
@@ -6562,7 +6562,7 @@
           <a:p>
             <a:fld id="{D7646321-B1DD-42DC-A054-BA47414388AD}" type="datetime1">
               <a:rPr lang="zh-CN" altLang="en-US" smtClean="0"/>
-              <a:t>2014/12/31</a:t>
+              <a:t>2015/1/6</a:t>
             </a:fld>
             <a:endParaRPr lang="zh-CN" altLang="en-US"/>
           </a:p>
@@ -7573,7 +7573,7 @@
           <a:p>
             <a:fld id="{27A6EF20-78E2-44F4-9691-E11D24E0EE72}" type="datetime1">
               <a:rPr lang="zh-CN" altLang="en-US" smtClean="0"/>
-              <a:t>2014/12/31</a:t>
+              <a:t>2015/1/6</a:t>
             </a:fld>
             <a:endParaRPr lang="zh-CN" altLang="en-US" dirty="0"/>
           </a:p>
@@ -12909,11 +12909,7 @@
             </a:r>
             <a:r>
               <a:rPr lang="zh-CN" altLang="en-US" b="1" i="1" dirty="0" smtClean="0"/>
-              <a:t>注册并指定监听器需要监听的事件类型，</a:t>
-            </a:r>
-            <a:r>
-              <a:rPr lang="zh-CN" altLang="en-US" b="1" i="1" dirty="0" smtClean="0"/>
-              <a:t>这</a:t>
+              <a:t>注册并指定监听器需要监听的事件类型，这</a:t>
             </a:r>
             <a:r>
               <a:rPr lang="zh-CN" altLang="en-US" b="1" i="1" dirty="0"/>
@@ -12921,15 +12917,7 @@
             </a:r>
             <a:r>
               <a:rPr lang="zh-CN" altLang="en-US" b="1" i="1" dirty="0" smtClean="0"/>
-              <a:t>只</a:t>
-            </a:r>
-            <a:r>
-              <a:rPr lang="zh-CN" altLang="en-US" b="1" i="1" dirty="0" smtClean="0"/>
-              <a:t>指定了一个类型，还</a:t>
-            </a:r>
-            <a:r>
-              <a:rPr lang="zh-CN" altLang="en-US" b="1" i="1" dirty="0" smtClean="0"/>
-              <a:t>可以指定</a:t>
+              <a:t>只指定了一个类型，还可以指定</a:t>
             </a:r>
             <a:r>
               <a:rPr lang="zh-CN" altLang="en-US" b="1" i="1" dirty="0"/>
@@ -12937,15 +12925,7 @@
             </a:r>
             <a:r>
               <a:rPr lang="zh-CN" altLang="en-US" b="1" i="1" dirty="0" smtClean="0"/>
-              <a:t>事件</a:t>
-            </a:r>
-            <a:r>
-              <a:rPr lang="zh-CN" altLang="en-US" b="1" i="1" dirty="0" smtClean="0"/>
-              <a:t>，</a:t>
-            </a:r>
-            <a:r>
-              <a:rPr lang="zh-CN" altLang="en-US" b="1" i="1" dirty="0" smtClean="0"/>
-              <a:t>例如：</a:t>
+              <a:t>事件，例如：</a:t>
             </a:r>
             <a:endParaRPr lang="en-US" altLang="zh-CN" b="1" i="1" dirty="0" smtClean="0"/>
           </a:p>
@@ -15056,7 +15036,25 @@
                 </a:solidFill>
                 <a:cs typeface="Arial Unicode MS" pitchFamily="34" charset="-122"/>
               </a:rPr>
-              <a:t>事件框架架构</a:t>
+              <a:t>事件</a:t>
+            </a:r>
+            <a:r>
+              <a:rPr lang="zh-CN" altLang="en-US" dirty="0" smtClean="0">
+                <a:solidFill>
+                  <a:srgbClr val="000066"/>
+                </a:solidFill>
+                <a:cs typeface="Arial Unicode MS" pitchFamily="34" charset="-122"/>
+              </a:rPr>
+              <a:t>框架</a:t>
+            </a:r>
+            <a:r>
+              <a:rPr lang="zh-CN" altLang="en-US" dirty="0">
+                <a:solidFill>
+                  <a:srgbClr val="000066"/>
+                </a:solidFill>
+                <a:cs typeface="Arial Unicode MS" pitchFamily="34" charset="-122"/>
+              </a:rPr>
+              <a:t>概述</a:t>
             </a:r>
             <a:endParaRPr lang="zh-CN" altLang="en-US" dirty="0">
               <a:solidFill>
@@ -20985,6 +20983,46 @@
           <a:prstGeom prst="line">
             <a:avLst/>
           </a:prstGeom>
+        </p:spPr>
+        <p:style>
+          <a:lnRef idx="2">
+            <a:schemeClr val="dk1"/>
+          </a:lnRef>
+          <a:fillRef idx="0">
+            <a:schemeClr val="dk1"/>
+          </a:fillRef>
+          <a:effectRef idx="1">
+            <a:schemeClr val="dk1"/>
+          </a:effectRef>
+          <a:fontRef idx="minor">
+            <a:schemeClr val="tx1"/>
+          </a:fontRef>
+        </p:style>
+      </p:cxnSp>
+      <p:cxnSp>
+        <p:nvCxnSpPr>
+          <p:cNvPr id="114" name="直接连接符 113"/>
+          <p:cNvCxnSpPr/>
+          <p:nvPr/>
+        </p:nvCxnSpPr>
+        <p:spPr>
+          <a:xfrm flipV="1">
+            <a:off x="-31029" y="4940836"/>
+            <a:ext cx="9041196" cy="5971"/>
+          </a:xfrm>
+          <a:prstGeom prst="line">
+            <a:avLst/>
+          </a:prstGeom>
+          <a:effectLst>
+            <a:glow>
+              <a:schemeClr val="accent1"/>
+            </a:glow>
+            <a:outerShdw blurRad="40000" dist="20000" dir="5400000" rotWithShape="0">
+              <a:srgbClr val="000000">
+                <a:alpha val="38000"/>
+              </a:srgbClr>
+            </a:outerShdw>
+          </a:effectLst>
         </p:spPr>
         <p:style>
           <a:lnRef idx="2">

--- a/文档/平台分布式事件框架介绍.pptx
+++ b/文档/平台分布式事件框架介绍.pptx
@@ -5,10 +5,10 @@
     <p:sldMasterId id="2147483648" r:id="rId1"/>
   </p:sldMasterIdLst>
   <p:notesMasterIdLst>
-    <p:notesMasterId r:id="rId17"/>
+    <p:notesMasterId r:id="rId18"/>
   </p:notesMasterIdLst>
   <p:handoutMasterIdLst>
-    <p:handoutMasterId r:id="rId18"/>
+    <p:handoutMasterId r:id="rId19"/>
   </p:handoutMasterIdLst>
   <p:sldIdLst>
     <p:sldId id="256" r:id="rId2"/>
@@ -22,10 +22,11 @@
     <p:sldId id="304" r:id="rId10"/>
     <p:sldId id="305" r:id="rId11"/>
     <p:sldId id="306" r:id="rId12"/>
-    <p:sldId id="307" r:id="rId13"/>
-    <p:sldId id="310" r:id="rId14"/>
-    <p:sldId id="308" r:id="rId15"/>
-    <p:sldId id="273" r:id="rId16"/>
+    <p:sldId id="311" r:id="rId13"/>
+    <p:sldId id="307" r:id="rId14"/>
+    <p:sldId id="310" r:id="rId15"/>
+    <p:sldId id="308" r:id="rId16"/>
+    <p:sldId id="273" r:id="rId17"/>
   </p:sldIdLst>
   <p:sldSz cx="9144000" cy="6858000" type="screen4x3"/>
   <p:notesSz cx="6858000" cy="9144000"/>
@@ -3451,7 +3452,7 @@
           <a:p>
             <a:fld id="{F3884A90-E904-45C9-8029-9EC010CE5385}" type="datetimeFigureOut">
               <a:rPr lang="zh-CN" altLang="en-US" smtClean="0"/>
-              <a:t>2015/1/6</a:t>
+              <a:t>2015/3/26</a:t>
             </a:fld>
             <a:endParaRPr lang="zh-CN" altLang="en-US"/>
           </a:p>
@@ -3616,7 +3617,7 @@
           <a:p>
             <a:fld id="{97533E92-6E11-4012-9FFD-C518C7720CE5}" type="datetimeFigureOut">
               <a:rPr lang="zh-CN" altLang="en-US" smtClean="0"/>
-              <a:t>2015/1/6</a:t>
+              <a:t>2015/3/26</a:t>
             </a:fld>
             <a:endParaRPr lang="zh-CN" altLang="en-US"/>
           </a:p>
@@ -4645,7 +4646,7 @@
           <a:p>
             <a:fld id="{27A6EF20-78E2-44F4-9691-E11D24E0EE72}" type="datetime1">
               <a:rPr lang="zh-CN" altLang="en-US" smtClean="0"/>
-              <a:t>2015/1/6</a:t>
+              <a:t>2015/3/26</a:t>
             </a:fld>
             <a:endParaRPr lang="zh-CN" altLang="en-US" dirty="0"/>
           </a:p>
@@ -4751,7 +4752,7 @@
           <a:p>
             <a:fld id="{813283B1-1446-4F80-A9EB-F57E382195D1}" type="datetime1">
               <a:rPr lang="zh-CN" altLang="en-US" smtClean="0"/>
-              <a:t>2015/1/6</a:t>
+              <a:t>2015/3/26</a:t>
             </a:fld>
             <a:endParaRPr lang="zh-CN" altLang="en-US" dirty="0"/>
           </a:p>
@@ -6562,7 +6563,7 @@
           <a:p>
             <a:fld id="{D7646321-B1DD-42DC-A054-BA47414388AD}" type="datetime1">
               <a:rPr lang="zh-CN" altLang="en-US" smtClean="0"/>
-              <a:t>2015/1/6</a:t>
+              <a:t>2015/3/26</a:t>
             </a:fld>
             <a:endParaRPr lang="zh-CN" altLang="en-US"/>
           </a:p>
@@ -7573,7 +7574,7 @@
           <a:p>
             <a:fld id="{27A6EF20-78E2-44F4-9691-E11D24E0EE72}" type="datetime1">
               <a:rPr lang="zh-CN" altLang="en-US" smtClean="0"/>
-              <a:t>2015/1/6</a:t>
+              <a:t>2015/3/26</a:t>
             </a:fld>
             <a:endParaRPr lang="zh-CN" altLang="en-US" dirty="0"/>
           </a:p>
@@ -10305,74 +10306,6 @@
           <a:prstGeom prst="chevron">
             <a:avLst/>
           </a:prstGeom>
-          <a:ln>
-            <a:headEnd/>
-            <a:tailEnd/>
-          </a:ln>
-        </p:spPr>
-        <p:style>
-          <a:lnRef idx="1">
-            <a:schemeClr val="accent1"/>
-          </a:lnRef>
-          <a:fillRef idx="2">
-            <a:schemeClr val="accent1"/>
-          </a:fillRef>
-          <a:effectRef idx="1">
-            <a:schemeClr val="accent1"/>
-          </a:effectRef>
-          <a:fontRef idx="minor">
-            <a:schemeClr val="dk1"/>
-          </a:fontRef>
-        </p:style>
-        <p:txBody>
-          <a:bodyPr anchor="ctr"/>
-          <a:lstStyle/>
-          <a:p>
-            <a:pPr algn="ctr" defTabSz="1279525"/>
-            <a:r>
-              <a:rPr lang="zh-CN" altLang="en-US" b="1" dirty="0">
-                <a:solidFill>
-                  <a:srgbClr val="0066FF"/>
-                </a:solidFill>
-                <a:latin typeface="微软雅黑" pitchFamily="34" charset="-122"/>
-                <a:ea typeface="微软雅黑" pitchFamily="34" charset="-122"/>
-              </a:rPr>
-              <a:t>开发</a:t>
-            </a:r>
-            <a:r>
-              <a:rPr lang="en-US" altLang="zh-CN" b="1" dirty="0">
-                <a:solidFill>
-                  <a:srgbClr val="0066FF"/>
-                </a:solidFill>
-                <a:latin typeface="微软雅黑" pitchFamily="34" charset="-122"/>
-                <a:ea typeface="微软雅黑" pitchFamily="34" charset="-122"/>
-              </a:rPr>
-              <a:t>API</a:t>
-            </a:r>
-            <a:endParaRPr lang="zh-CN" altLang="en-US" b="1" dirty="0">
-              <a:solidFill>
-                <a:srgbClr val="0066FF"/>
-              </a:solidFill>
-              <a:latin typeface="微软雅黑" pitchFamily="34" charset="-122"/>
-              <a:ea typeface="微软雅黑" pitchFamily="34" charset="-122"/>
-            </a:endParaRPr>
-          </a:p>
-        </p:txBody>
-      </p:sp>
-      <p:sp>
-        <p:nvSpPr>
-          <p:cNvPr id="32" name="燕尾形 31"/>
-          <p:cNvSpPr/>
-          <p:nvPr/>
-        </p:nvSpPr>
-        <p:spPr bwMode="auto">
-          <a:xfrm>
-            <a:off x="2618656" y="692497"/>
-            <a:ext cx="1784424" cy="576263"/>
-          </a:xfrm>
-          <a:prstGeom prst="chevron">
-            <a:avLst/>
-          </a:prstGeom>
           <a:solidFill>
             <a:schemeClr val="bg2">
               <a:lumMod val="20000"/>
@@ -10408,11 +10341,81 @@
           <a:bodyPr anchor="ctr"/>
           <a:lstStyle/>
           <a:p>
+            <a:pPr algn="ctr" defTabSz="1279525">
+              <a:defRPr/>
+            </a:pPr>
+            <a:r>
+              <a:rPr lang="zh-CN" altLang="en-US" dirty="0" smtClean="0">
+                <a:solidFill>
+                  <a:srgbClr val="A6A6A6"/>
+                </a:solidFill>
+                <a:latin typeface="微软雅黑" pitchFamily="34" charset="-122"/>
+                <a:ea typeface="微软雅黑" pitchFamily="34" charset="-122"/>
+              </a:rPr>
+              <a:t>开发</a:t>
+            </a:r>
+            <a:r>
+              <a:rPr lang="en-US" altLang="zh-CN" dirty="0" smtClean="0">
+                <a:solidFill>
+                  <a:srgbClr val="A6A6A6"/>
+                </a:solidFill>
+                <a:latin typeface="微软雅黑" pitchFamily="34" charset="-122"/>
+                <a:ea typeface="微软雅黑" pitchFamily="34" charset="-122"/>
+              </a:rPr>
+              <a:t>API</a:t>
+            </a:r>
+            <a:endParaRPr lang="zh-CN" altLang="en-US" dirty="0">
+              <a:solidFill>
+                <a:srgbClr val="A6A6A6"/>
+              </a:solidFill>
+              <a:latin typeface="微软雅黑" pitchFamily="34" charset="-122"/>
+              <a:ea typeface="微软雅黑" pitchFamily="34" charset="-122"/>
+            </a:endParaRPr>
+          </a:p>
+        </p:txBody>
+      </p:sp>
+      <p:sp>
+        <p:nvSpPr>
+          <p:cNvPr id="32" name="燕尾形 31"/>
+          <p:cNvSpPr/>
+          <p:nvPr/>
+        </p:nvSpPr>
+        <p:spPr bwMode="auto">
+          <a:xfrm>
+            <a:off x="2618656" y="692497"/>
+            <a:ext cx="1784424" cy="576263"/>
+          </a:xfrm>
+          <a:prstGeom prst="chevron">
+            <a:avLst/>
+          </a:prstGeom>
+          <a:ln>
+            <a:headEnd/>
+            <a:tailEnd/>
+          </a:ln>
+        </p:spPr>
+        <p:style>
+          <a:lnRef idx="1">
+            <a:schemeClr val="accent1"/>
+          </a:lnRef>
+          <a:fillRef idx="2">
+            <a:schemeClr val="accent1"/>
+          </a:fillRef>
+          <a:effectRef idx="1">
+            <a:schemeClr val="accent1"/>
+          </a:effectRef>
+          <a:fontRef idx="minor">
+            <a:schemeClr val="dk1"/>
+          </a:fontRef>
+        </p:style>
+        <p:txBody>
+          <a:bodyPr anchor="ctr"/>
+          <a:lstStyle/>
+          <a:p>
             <a:pPr algn="ctr" defTabSz="1279525"/>
             <a:r>
-              <a:rPr lang="zh-CN" altLang="en-US" dirty="0">
-                <a:solidFill>
-                  <a:srgbClr val="A6A6A6"/>
+              <a:rPr lang="zh-CN" altLang="en-US" b="1" dirty="0">
+                <a:solidFill>
+                  <a:srgbClr val="0066FF"/>
                 </a:solidFill>
                 <a:latin typeface="微软雅黑" pitchFamily="34" charset="-122"/>
                 <a:ea typeface="微软雅黑" pitchFamily="34" charset="-122"/>
@@ -10494,7 +10497,7 @@
         <p:spPr>
           <a:xfrm>
             <a:off x="81310" y="1412776"/>
-            <a:ext cx="8595146" cy="5170646"/>
+            <a:ext cx="8595146" cy="2308324"/>
           </a:xfrm>
           <a:prstGeom prst="rect">
             <a:avLst/>
@@ -10508,419 +10511,102 @@
           <a:lstStyle/>
           <a:p>
             <a:r>
-              <a:rPr lang="zh-CN" altLang="en-US" sz="2000" b="1" dirty="0" smtClean="0"/>
-              <a:t>本章介绍事件编程</a:t>
-            </a:r>
-            <a:r>
-              <a:rPr lang="en-US" altLang="zh-CN" sz="2000" b="1" dirty="0" err="1" smtClean="0"/>
-              <a:t>api</a:t>
-            </a:r>
-            <a:endParaRPr lang="en-US" altLang="zh-CN" sz="2000" b="1" dirty="0" smtClean="0"/>
-          </a:p>
-          <a:p>
-            <a:r>
-              <a:rPr lang="zh-CN" altLang="en-US" sz="2000" b="1" dirty="0" smtClean="0"/>
-              <a:t>启动</a:t>
-            </a:r>
-            <a:r>
-              <a:rPr lang="zh-CN" altLang="en-US" sz="2000" b="1" dirty="0"/>
-              <a:t>分布式事件服务</a:t>
-            </a:r>
-            <a:r>
-              <a:rPr lang="en-US" altLang="zh-CN" sz="2000" b="1" dirty="0"/>
-              <a:t>API</a:t>
-            </a:r>
-            <a:r>
-              <a:rPr lang="zh-CN" altLang="en-US" sz="2000" b="1" dirty="0"/>
-              <a:t>：</a:t>
-            </a:r>
-            <a:endParaRPr lang="en-US" altLang="zh-CN" sz="2000" b="1" dirty="0"/>
-          </a:p>
-          <a:p>
-            <a:r>
-              <a:rPr lang="en-US" altLang="zh-CN" b="1" dirty="0" err="1">
-                <a:solidFill>
-                  <a:srgbClr val="00B050"/>
-                </a:solidFill>
-              </a:rPr>
-              <a:t>org.frameworkset.remote.EventUtils.init</a:t>
-            </a:r>
-            <a:r>
-              <a:rPr lang="en-US" altLang="zh-CN" b="1" dirty="0">
-                <a:solidFill>
-                  <a:srgbClr val="00B050"/>
-                </a:solidFill>
-              </a:rPr>
-              <a:t>()</a:t>
-            </a:r>
-          </a:p>
-          <a:p>
-            <a:r>
-              <a:rPr lang="en-US" altLang="zh-CN" i="1" dirty="0" err="1" smtClean="0"/>
-              <a:t>Init</a:t>
-            </a:r>
-            <a:r>
-              <a:rPr lang="zh-CN" altLang="en-US" i="1" dirty="0" smtClean="0"/>
-              <a:t>方法是一个静态方法，直接调用即可，如果</a:t>
-            </a:r>
-            <a:r>
-              <a:rPr lang="zh-CN" altLang="en-US" i="1" dirty="0"/>
-              <a:t>远程事件是关闭的，那么执行</a:t>
-            </a:r>
-            <a:r>
-              <a:rPr lang="en-US" altLang="zh-CN" dirty="0" err="1"/>
-              <a:t>EventUtils.</a:t>
-            </a:r>
-            <a:r>
-              <a:rPr lang="en-US" altLang="zh-CN" i="1" dirty="0" err="1"/>
-              <a:t>init</a:t>
-            </a:r>
-            <a:r>
-              <a:rPr lang="en-US" altLang="zh-CN" i="1" dirty="0"/>
-              <a:t>()</a:t>
-            </a:r>
-            <a:r>
-              <a:rPr lang="zh-CN" altLang="en-US" i="1" dirty="0"/>
-              <a:t>不会启动分布式事件发送和接收服务</a:t>
-            </a:r>
-            <a:r>
-              <a:rPr lang="zh-CN" altLang="en-US" i="1" dirty="0" smtClean="0"/>
-              <a:t>。</a:t>
-            </a:r>
-            <a:endParaRPr lang="en-US" altLang="zh-CN" i="1" dirty="0" smtClean="0"/>
-          </a:p>
-          <a:p>
-            <a:endParaRPr lang="en-US" altLang="zh-CN" i="1" dirty="0"/>
-          </a:p>
-          <a:p>
-            <a:r>
-              <a:rPr lang="zh-CN" altLang="en-US" sz="2000" b="1" i="1" dirty="0" smtClean="0"/>
-              <a:t>创建和发布事件方法：</a:t>
-            </a:r>
-            <a:endParaRPr lang="en-US" altLang="zh-CN" sz="2000" b="1" i="1" dirty="0"/>
-          </a:p>
-          <a:p>
-            <a:r>
-              <a:rPr lang="en-US" altLang="zh-CN" i="1" dirty="0" smtClean="0"/>
-              <a:t>//</a:t>
-            </a:r>
-            <a:r>
-              <a:rPr lang="zh-CN" altLang="en-US" i="1" dirty="0" smtClean="0"/>
-              <a:t>定义一个事件类型</a:t>
-            </a:r>
-            <a:endParaRPr lang="en-US" altLang="zh-CN" i="1" dirty="0" smtClean="0"/>
-          </a:p>
-          <a:p>
-            <a:r>
-              <a:rPr lang="en-US" altLang="zh-CN" b="1" dirty="0" err="1" smtClean="0"/>
-              <a:t>EventType</a:t>
-            </a:r>
-            <a:r>
-              <a:rPr lang="en-US" altLang="zh-CN" b="1" dirty="0" smtClean="0"/>
+              <a:rPr lang="zh-CN" altLang="en-US" sz="2400" b="1" dirty="0" smtClean="0"/>
+              <a:t>修改</a:t>
+            </a:r>
+            <a:r>
+              <a:rPr lang="en-US" altLang="zh-CN" sz="2400" b="1" dirty="0" err="1" smtClean="0"/>
+              <a:t>linux</a:t>
+            </a:r>
+            <a:r>
+              <a:rPr lang="zh-CN" altLang="en-US" sz="2400" b="1" dirty="0" smtClean="0"/>
+              <a:t>内核参数：</a:t>
+            </a:r>
+            <a:endParaRPr lang="en-US" altLang="zh-CN" sz="2400" b="1" dirty="0" smtClean="0"/>
+          </a:p>
+          <a:p>
+            <a:r>
+              <a:rPr lang="en-US" altLang="zh-CN" sz="2400" u="sng" dirty="0" err="1"/>
+              <a:t>jgroup</a:t>
+            </a:r>
+            <a:r>
+              <a:rPr lang="en-US" altLang="zh-CN" sz="2400" u="sng" dirty="0"/>
               <a:t> </a:t>
             </a:r>
             <a:r>
-              <a:rPr lang="en-US" altLang="zh-CN" dirty="0" err="1" smtClean="0"/>
-              <a:t>eventtype</a:t>
-            </a:r>
-            <a:r>
-              <a:rPr lang="en-US" altLang="zh-CN" dirty="0" smtClean="0"/>
-              <a:t> </a:t>
-            </a:r>
-            <a:r>
-              <a:rPr lang="en-US" altLang="zh-CN" dirty="0"/>
-              <a:t>= </a:t>
-            </a:r>
-            <a:r>
-              <a:rPr lang="en-US" altLang="zh-CN" b="1" dirty="0"/>
-              <a:t>new </a:t>
-            </a:r>
-            <a:r>
-              <a:rPr lang="en-US" altLang="zh-CN" b="1" dirty="0" err="1"/>
-              <a:t>SimpleEventType</a:t>
-            </a:r>
-            <a:r>
-              <a:rPr lang="en-US" altLang="zh-CN" b="1" dirty="0"/>
-              <a:t>("</a:t>
-            </a:r>
-            <a:r>
-              <a:rPr lang="en-US" altLang="zh-CN" b="1" dirty="0" err="1" smtClean="0"/>
-              <a:t>org_frameworkset_util_testtype</a:t>
-            </a:r>
-            <a:r>
-              <a:rPr lang="en-US" altLang="zh-CN" b="1" dirty="0" smtClean="0"/>
-              <a:t>");</a:t>
-            </a:r>
-          </a:p>
-          <a:p>
-            <a:r>
-              <a:rPr lang="en-US" altLang="zh-CN" b="1" i="1" dirty="0" smtClean="0"/>
-              <a:t>//</a:t>
-            </a:r>
-            <a:r>
-              <a:rPr lang="zh-CN" altLang="en-US" b="1" i="1" dirty="0" smtClean="0"/>
-              <a:t>创建一个事件（默认为本地和远程事件）</a:t>
-            </a:r>
-            <a:endParaRPr lang="en-US" altLang="zh-CN" i="1" dirty="0"/>
-          </a:p>
-          <a:p>
-            <a:r>
-              <a:rPr lang="en-US" altLang="zh-CN" b="1" dirty="0" smtClean="0"/>
-              <a:t>Event </a:t>
-            </a:r>
-            <a:r>
-              <a:rPr lang="en-US" altLang="zh-CN" b="1" dirty="0" err="1" smtClean="0"/>
-              <a:t>event</a:t>
-            </a:r>
-            <a:r>
-              <a:rPr lang="en-US" altLang="zh-CN" b="1" dirty="0" smtClean="0"/>
-              <a:t> = new </a:t>
-            </a:r>
-            <a:r>
-              <a:rPr lang="en-US" altLang="zh-CN" b="1" dirty="0" err="1" smtClean="0"/>
-              <a:t>EventImpl</a:t>
-            </a:r>
-            <a:r>
-              <a:rPr lang="en-US" altLang="zh-CN" b="1" dirty="0" smtClean="0"/>
-              <a:t> (</a:t>
-            </a:r>
-            <a:r>
-              <a:rPr lang="en-US" altLang="zh-CN" b="1" dirty="0" err="1" smtClean="0"/>
-              <a:t>trace,eventtype</a:t>
-            </a:r>
-            <a:r>
-              <a:rPr lang="en-US" altLang="zh-CN" b="1" dirty="0" smtClean="0"/>
-              <a:t>);</a:t>
-            </a:r>
-          </a:p>
-          <a:p>
-            <a:r>
-              <a:rPr lang="en-US" altLang="zh-CN" b="1" dirty="0" smtClean="0"/>
-              <a:t>//</a:t>
-            </a:r>
-            <a:r>
-              <a:rPr lang="en-US" altLang="zh-CN" u="sng" dirty="0"/>
-              <a:t> </a:t>
-            </a:r>
-            <a:r>
-              <a:rPr lang="en-US" altLang="zh-CN" b="1" dirty="0"/>
-              <a:t>Event </a:t>
-            </a:r>
-            <a:r>
-              <a:rPr lang="en-US" altLang="zh-CN" b="1" dirty="0" err="1"/>
-              <a:t>event</a:t>
-            </a:r>
-            <a:r>
-              <a:rPr lang="en-US" altLang="zh-CN" b="1" dirty="0"/>
-              <a:t> = new </a:t>
-            </a:r>
-            <a:r>
-              <a:rPr lang="en-US" altLang="zh-CN" b="1" dirty="0" err="1"/>
-              <a:t>EventImpl</a:t>
-            </a:r>
-            <a:r>
-              <a:rPr lang="en-US" altLang="zh-CN" b="1" dirty="0"/>
-              <a:t> (</a:t>
-            </a:r>
-            <a:r>
-              <a:rPr lang="en-US" altLang="zh-CN" b="1" dirty="0" err="1" smtClean="0"/>
-              <a:t>trace,eventtype</a:t>
-            </a:r>
-            <a:r>
-              <a:rPr lang="en-US" altLang="zh-CN" u="sng" dirty="0" err="1" smtClean="0"/>
-              <a:t>,Event.</a:t>
-            </a:r>
-            <a:r>
-              <a:rPr lang="en-US" altLang="zh-CN" i="1" u="sng" dirty="0" err="1" smtClean="0"/>
-              <a:t>LOCAL</a:t>
-            </a:r>
-            <a:r>
-              <a:rPr lang="en-US" altLang="zh-CN" i="1" u="sng" dirty="0" smtClean="0"/>
-              <a:t>);</a:t>
-            </a:r>
-            <a:r>
-              <a:rPr lang="zh-CN" altLang="en-US" i="1" u="sng" dirty="0" smtClean="0"/>
-              <a:t>本地事件</a:t>
-            </a:r>
-            <a:endParaRPr lang="en-US" altLang="zh-CN" i="1" u="sng" dirty="0" smtClean="0"/>
-          </a:p>
-          <a:p>
-            <a:r>
-              <a:rPr lang="en-US" altLang="zh-CN" b="1" dirty="0"/>
-              <a:t>//</a:t>
-            </a:r>
-            <a:r>
-              <a:rPr lang="en-US" altLang="zh-CN" u="sng" dirty="0"/>
-              <a:t> </a:t>
-            </a:r>
-            <a:r>
-              <a:rPr lang="en-US" altLang="zh-CN" b="1" dirty="0"/>
-              <a:t>Event </a:t>
-            </a:r>
-            <a:r>
-              <a:rPr lang="en-US" altLang="zh-CN" b="1" dirty="0" err="1"/>
-              <a:t>event</a:t>
-            </a:r>
-            <a:r>
-              <a:rPr lang="en-US" altLang="zh-CN" b="1" dirty="0"/>
-              <a:t> = new </a:t>
-            </a:r>
-            <a:r>
-              <a:rPr lang="en-US" altLang="zh-CN" b="1" dirty="0" err="1"/>
-              <a:t>EventImpl</a:t>
-            </a:r>
-            <a:r>
-              <a:rPr lang="en-US" altLang="zh-CN" b="1" dirty="0"/>
-              <a:t> (</a:t>
-            </a:r>
-            <a:r>
-              <a:rPr lang="en-US" altLang="zh-CN" b="1" dirty="0" err="1" smtClean="0"/>
-              <a:t>trace,eventtype</a:t>
-            </a:r>
-            <a:r>
-              <a:rPr lang="en-US" altLang="zh-CN" u="sng" dirty="0"/>
-              <a:t>, </a:t>
-            </a:r>
-            <a:r>
-              <a:rPr lang="en-US" altLang="zh-CN" u="sng" dirty="0" err="1"/>
-              <a:t>Event.</a:t>
-            </a:r>
-            <a:r>
-              <a:rPr lang="en-US" altLang="zh-CN" i="1" u="sng" dirty="0" err="1"/>
-              <a:t>REMOTE</a:t>
-            </a:r>
-            <a:r>
-              <a:rPr lang="en-US" altLang="zh-CN" i="1" u="sng" dirty="0" smtClean="0"/>
-              <a:t>);</a:t>
-            </a:r>
-            <a:r>
-              <a:rPr lang="zh-CN" altLang="en-US" i="1" u="sng" dirty="0" smtClean="0"/>
-              <a:t>远程事件</a:t>
-            </a:r>
-            <a:r>
-              <a:rPr lang="en-US" altLang="zh-CN" i="1" u="sng" dirty="0" smtClean="0"/>
-              <a:t>(</a:t>
-            </a:r>
-            <a:r>
-              <a:rPr lang="zh-CN" altLang="en-US" i="1" u="sng" dirty="0" smtClean="0"/>
-              <a:t>如果没有开启远程事件，远程事件将被丢弃</a:t>
-            </a:r>
-            <a:r>
-              <a:rPr lang="en-US" altLang="zh-CN" i="1" u="sng" dirty="0" smtClean="0"/>
-              <a:t>)</a:t>
-            </a:r>
-          </a:p>
-          <a:p>
-            <a:r>
-              <a:rPr lang="en-US" altLang="zh-CN" b="1" dirty="0"/>
-              <a:t>//</a:t>
-            </a:r>
-            <a:r>
-              <a:rPr lang="en-US" altLang="zh-CN" u="sng" dirty="0"/>
-              <a:t> </a:t>
-            </a:r>
-            <a:r>
-              <a:rPr lang="en-US" altLang="zh-CN" b="1" dirty="0"/>
-              <a:t>Event </a:t>
-            </a:r>
-            <a:r>
-              <a:rPr lang="en-US" altLang="zh-CN" b="1" dirty="0" err="1"/>
-              <a:t>event</a:t>
-            </a:r>
-            <a:r>
-              <a:rPr lang="en-US" altLang="zh-CN" b="1" dirty="0"/>
-              <a:t> = new </a:t>
-            </a:r>
-            <a:r>
-              <a:rPr lang="en-US" altLang="zh-CN" b="1" dirty="0" err="1"/>
-              <a:t>EventImpl</a:t>
-            </a:r>
-            <a:r>
-              <a:rPr lang="en-US" altLang="zh-CN" b="1" dirty="0"/>
-              <a:t> (</a:t>
-            </a:r>
-            <a:r>
-              <a:rPr lang="en-US" altLang="zh-CN" b="1" dirty="0" err="1" smtClean="0"/>
-              <a:t>trace,eventtype</a:t>
-            </a:r>
-            <a:r>
-              <a:rPr lang="en-US" altLang="zh-CN" u="sng" dirty="0"/>
-              <a:t>, </a:t>
-            </a:r>
-            <a:r>
-              <a:rPr lang="en-US" altLang="zh-CN" u="sng" dirty="0" err="1"/>
-              <a:t>Event.</a:t>
-            </a:r>
-            <a:r>
-              <a:rPr lang="en-US" altLang="zh-CN" i="1" u="sng" dirty="0" err="1"/>
-              <a:t>REMOTELOCAL</a:t>
-            </a:r>
-            <a:r>
-              <a:rPr lang="en-US" altLang="zh-CN" i="1" u="sng" dirty="0" smtClean="0"/>
-              <a:t>);</a:t>
-            </a:r>
-            <a:r>
-              <a:rPr lang="zh-CN" altLang="en-US" i="1" u="sng" dirty="0" smtClean="0"/>
-              <a:t>本地远程事件</a:t>
-            </a:r>
-            <a:r>
-              <a:rPr lang="en-US" altLang="zh-CN" i="1" u="sng" dirty="0"/>
-              <a:t>(</a:t>
-            </a:r>
-            <a:r>
-              <a:rPr lang="zh-CN" altLang="en-US" i="1" u="sng" dirty="0"/>
-              <a:t>如果没有开启远程事件</a:t>
-            </a:r>
-            <a:r>
-              <a:rPr lang="zh-CN" altLang="en-US" i="1" u="sng" dirty="0" smtClean="0"/>
-              <a:t>，只会发送到本地，不发发送远程事件</a:t>
-            </a:r>
-            <a:r>
-              <a:rPr lang="en-US" altLang="zh-CN" i="1" u="sng" dirty="0" smtClean="0"/>
-              <a:t>)</a:t>
-            </a:r>
-            <a:endParaRPr lang="en-US" altLang="zh-CN" b="1" dirty="0" smtClean="0"/>
-          </a:p>
-          <a:p>
-            <a:r>
-              <a:rPr lang="en-US" altLang="zh-CN" b="1" i="1" dirty="0" smtClean="0"/>
-              <a:t>//</a:t>
-            </a:r>
-            <a:r>
-              <a:rPr lang="zh-CN" altLang="en-US" b="1" i="1" dirty="0" smtClean="0"/>
-              <a:t>发送事件</a:t>
-            </a:r>
-            <a:endParaRPr lang="en-US" altLang="zh-CN" i="1" dirty="0"/>
-          </a:p>
-          <a:p>
-            <a:r>
-              <a:rPr lang="en-US" altLang="zh-CN" dirty="0" err="1" smtClean="0"/>
-              <a:t>EventHandle.</a:t>
-            </a:r>
-            <a:r>
-              <a:rPr lang="en-US" altLang="zh-CN" i="1" dirty="0" err="1" smtClean="0"/>
-              <a:t>sendEvent</a:t>
-            </a:r>
-            <a:r>
-              <a:rPr lang="en-US" altLang="zh-CN" i="1" dirty="0" smtClean="0"/>
-              <a:t>(</a:t>
-            </a:r>
-            <a:r>
-              <a:rPr lang="en-US" altLang="zh-CN" b="1" dirty="0"/>
-              <a:t>event </a:t>
-            </a:r>
-            <a:r>
-              <a:rPr lang="en-US" altLang="zh-CN" b="1" i="1" dirty="0" smtClean="0"/>
-              <a:t>);</a:t>
-            </a:r>
-            <a:endParaRPr lang="en-US" altLang="zh-CN" b="1" dirty="0" smtClean="0"/>
+              <a:rPr lang="en-US" altLang="zh-CN" sz="2400" u="sng" dirty="0" err="1"/>
+              <a:t>linux</a:t>
+            </a:r>
+            <a:r>
+              <a:rPr lang="zh-CN" altLang="en-US" sz="2400" u="sng" dirty="0"/>
+              <a:t>下部署修改</a:t>
+            </a:r>
+            <a:r>
+              <a:rPr lang="en-US" altLang="zh-CN" sz="2400" u="sng" dirty="0" err="1"/>
+              <a:t>os</a:t>
+            </a:r>
+            <a:r>
+              <a:rPr lang="zh-CN" altLang="en-US" sz="2400" u="sng" dirty="0" smtClean="0"/>
+              <a:t>参数读缓存</a:t>
+            </a:r>
+            <a:r>
+              <a:rPr lang="zh-CN" altLang="en-US" sz="2400" u="sng" smtClean="0"/>
+              <a:t>块大小和写缓存块大小（</a:t>
+            </a:r>
+            <a:r>
+              <a:rPr lang="en-US" altLang="zh-CN" sz="2400" u="sng" dirty="0"/>
+              <a:t>5M</a:t>
+            </a:r>
+            <a:r>
+              <a:rPr lang="zh-CN" altLang="en-US" sz="2400" u="sng" dirty="0"/>
+              <a:t>）：</a:t>
+            </a:r>
+          </a:p>
+          <a:p>
+            <a:r>
+              <a:rPr lang="en-US" altLang="zh-CN" sz="2400" u="sng" dirty="0" err="1"/>
+              <a:t>sysctl</a:t>
+            </a:r>
+            <a:r>
+              <a:rPr lang="en-US" altLang="zh-CN" sz="2400" u="sng" dirty="0"/>
+              <a:t> -w </a:t>
+            </a:r>
+            <a:r>
+              <a:rPr lang="en-US" altLang="zh-CN" sz="2400" u="sng" dirty="0" err="1"/>
+              <a:t>net.core.rmem_max</a:t>
+            </a:r>
+            <a:r>
+              <a:rPr lang="en-US" altLang="zh-CN" sz="2400" u="sng" dirty="0"/>
+              <a:t>=5000000</a:t>
+            </a:r>
+          </a:p>
+          <a:p>
+            <a:r>
+              <a:rPr lang="en-US" altLang="zh-CN" sz="2400" u="sng" dirty="0" err="1"/>
+              <a:t>sysctl</a:t>
+            </a:r>
+            <a:r>
+              <a:rPr lang="en-US" altLang="zh-CN" sz="2400" u="sng" dirty="0"/>
+              <a:t> -w </a:t>
+            </a:r>
+            <a:r>
+              <a:rPr lang="en-US" altLang="zh-CN" sz="2400" u="sng" dirty="0" err="1"/>
+              <a:t>net.core.wmem_max</a:t>
+            </a:r>
+            <a:r>
+              <a:rPr lang="en-US" altLang="zh-CN" sz="2400" u="sng" dirty="0"/>
+              <a:t>=5000000</a:t>
+            </a:r>
+          </a:p>
+          <a:p>
+            <a:endParaRPr lang="zh-CN" altLang="en-US" sz="2400" b="1" dirty="0" smtClean="0"/>
           </a:p>
         </p:txBody>
       </p:sp>
     </p:spTree>
     <p:extLst>
       <p:ext uri="{BB962C8B-B14F-4D97-AF65-F5344CB8AC3E}">
-        <p14:creationId xmlns:p14="http://schemas.microsoft.com/office/powerpoint/2010/main" val="98987985"/>
+        <p14:creationId xmlns:p14="http://schemas.microsoft.com/office/powerpoint/2010/main" val="84155522"/>
       </p:ext>
     </p:extLst>
   </p:cSld>
@@ -11464,7 +11150,7 @@
         <p:spPr>
           <a:xfrm>
             <a:off x="81310" y="1412776"/>
-            <a:ext cx="8595146" cy="677108"/>
+            <a:ext cx="8595146" cy="5170646"/>
           </a:xfrm>
           <a:prstGeom prst="rect">
             <a:avLst/>
@@ -11477,366 +11163,420 @@
           </a:bodyPr>
           <a:lstStyle/>
           <a:p>
+            <a:r>
+              <a:rPr lang="zh-CN" altLang="en-US" sz="2000" b="1" dirty="0" smtClean="0"/>
+              <a:t>本章介绍事件编程</a:t>
+            </a:r>
+            <a:r>
+              <a:rPr lang="en-US" altLang="zh-CN" sz="2000" b="1" dirty="0" err="1" smtClean="0"/>
+              <a:t>api</a:t>
+            </a:r>
+            <a:endParaRPr lang="en-US" altLang="zh-CN" sz="2000" b="1" dirty="0" smtClean="0"/>
+          </a:p>
+          <a:p>
+            <a:r>
+              <a:rPr lang="zh-CN" altLang="en-US" sz="2000" b="1" dirty="0" smtClean="0"/>
+              <a:t>启动</a:t>
+            </a:r>
+            <a:r>
+              <a:rPr lang="zh-CN" altLang="en-US" sz="2000" b="1" dirty="0"/>
+              <a:t>分布式事件服务</a:t>
+            </a:r>
+            <a:r>
+              <a:rPr lang="en-US" altLang="zh-CN" sz="2000" b="1" dirty="0"/>
+              <a:t>API</a:t>
+            </a:r>
+            <a:r>
+              <a:rPr lang="zh-CN" altLang="en-US" sz="2000" b="1" dirty="0"/>
+              <a:t>：</a:t>
+            </a:r>
+            <a:endParaRPr lang="en-US" altLang="zh-CN" sz="2000" b="1" dirty="0"/>
+          </a:p>
+          <a:p>
+            <a:r>
+              <a:rPr lang="en-US" altLang="zh-CN" b="1" dirty="0" err="1">
+                <a:solidFill>
+                  <a:srgbClr val="00B050"/>
+                </a:solidFill>
+              </a:rPr>
+              <a:t>org.frameworkset.remote.EventUtils.init</a:t>
+            </a:r>
+            <a:r>
+              <a:rPr lang="en-US" altLang="zh-CN" b="1" dirty="0">
+                <a:solidFill>
+                  <a:srgbClr val="00B050"/>
+                </a:solidFill>
+              </a:rPr>
+              <a:t>()</a:t>
+            </a:r>
+          </a:p>
+          <a:p>
+            <a:r>
+              <a:rPr lang="en-US" altLang="zh-CN" i="1" dirty="0" err="1" smtClean="0"/>
+              <a:t>Init</a:t>
+            </a:r>
+            <a:r>
+              <a:rPr lang="zh-CN" altLang="en-US" i="1" dirty="0" smtClean="0"/>
+              <a:t>方法是一个静态方法，直接调用即可，如果</a:t>
+            </a:r>
+            <a:r>
+              <a:rPr lang="zh-CN" altLang="en-US" i="1" dirty="0"/>
+              <a:t>远程事件是关闭的，那么执行</a:t>
+            </a:r>
+            <a:r>
+              <a:rPr lang="en-US" altLang="zh-CN" dirty="0" err="1"/>
+              <a:t>EventUtils.</a:t>
+            </a:r>
+            <a:r>
+              <a:rPr lang="en-US" altLang="zh-CN" i="1" dirty="0" err="1"/>
+              <a:t>init</a:t>
+            </a:r>
+            <a:r>
+              <a:rPr lang="en-US" altLang="zh-CN" i="1" dirty="0"/>
+              <a:t>()</a:t>
+            </a:r>
+            <a:r>
+              <a:rPr lang="zh-CN" altLang="en-US" i="1" dirty="0"/>
+              <a:t>不会启动分布式事件发送和接收服务</a:t>
+            </a:r>
+            <a:r>
+              <a:rPr lang="zh-CN" altLang="en-US" i="1" dirty="0" smtClean="0"/>
+              <a:t>。</a:t>
+            </a:r>
+            <a:endParaRPr lang="en-US" altLang="zh-CN" i="1" dirty="0" smtClean="0"/>
+          </a:p>
+          <a:p>
             <a:endParaRPr lang="en-US" altLang="zh-CN" i="1" dirty="0"/>
           </a:p>
           <a:p>
             <a:r>
               <a:rPr lang="zh-CN" altLang="en-US" sz="2000" b="1" i="1" dirty="0" smtClean="0"/>
-              <a:t>指定目标地址发送消息：</a:t>
+              <a:t>创建和发布事件方法：</a:t>
             </a:r>
             <a:endParaRPr lang="en-US" altLang="zh-CN" sz="2000" b="1" i="1" dirty="0"/>
           </a:p>
-        </p:txBody>
-      </p:sp>
-      <p:sp>
-        <p:nvSpPr>
-          <p:cNvPr id="4" name="TextBox 3"/>
-          <p:cNvSpPr txBox="1"/>
-          <p:nvPr/>
-        </p:nvSpPr>
-        <p:spPr>
-          <a:xfrm>
-            <a:off x="261868" y="2276872"/>
-            <a:ext cx="5750292" cy="4093428"/>
-          </a:xfrm>
-          <a:prstGeom prst="rect">
-            <a:avLst/>
-          </a:prstGeom>
-          <a:noFill/>
-        </p:spPr>
-        <p:txBody>
-          <a:bodyPr wrap="none" rtlCol="0">
-            <a:spAutoFit/>
-          </a:bodyPr>
-          <a:lstStyle/>
-          <a:p>
-            <a:r>
-              <a:rPr lang="en-US" altLang="zh-CN" sz="1100" u="sng" dirty="0"/>
+          <a:p>
+            <a:r>
+              <a:rPr lang="en-US" altLang="zh-CN" i="1" dirty="0" smtClean="0"/>
+              <a:t>//</a:t>
+            </a:r>
+            <a:r>
+              <a:rPr lang="zh-CN" altLang="en-US" i="1" dirty="0" smtClean="0"/>
+              <a:t>定义一个事件类型</a:t>
+            </a:r>
+            <a:endParaRPr lang="en-US" altLang="zh-CN" i="1" dirty="0" smtClean="0"/>
+          </a:p>
+          <a:p>
+            <a:r>
+              <a:rPr lang="en-US" altLang="zh-CN" b="1" dirty="0" err="1" smtClean="0"/>
+              <a:t>EventType</a:t>
+            </a:r>
+            <a:r>
+              <a:rPr lang="en-US" altLang="zh-CN" b="1" dirty="0" smtClean="0"/>
+              <a:t> </a:t>
+            </a:r>
+            <a:r>
+              <a:rPr lang="en-US" altLang="zh-CN" dirty="0" err="1" smtClean="0"/>
+              <a:t>eventtype</a:t>
+            </a:r>
+            <a:r>
+              <a:rPr lang="en-US" altLang="zh-CN" dirty="0" smtClean="0"/>
+              <a:t> </a:t>
+            </a:r>
+            <a:r>
+              <a:rPr lang="en-US" altLang="zh-CN" dirty="0"/>
+              <a:t>= </a:t>
+            </a:r>
+            <a:r>
+              <a:rPr lang="en-US" altLang="zh-CN" b="1" dirty="0"/>
+              <a:t>new </a:t>
+            </a:r>
+            <a:r>
+              <a:rPr lang="en-US" altLang="zh-CN" b="1" dirty="0" err="1"/>
+              <a:t>SimpleEventType</a:t>
+            </a:r>
+            <a:r>
+              <a:rPr lang="en-US" altLang="zh-CN" b="1" dirty="0"/>
+              <a:t>("</a:t>
+            </a:r>
+            <a:r>
+              <a:rPr lang="en-US" altLang="zh-CN" b="1" dirty="0" err="1" smtClean="0"/>
+              <a:t>org_frameworkset_util_testtype</a:t>
+            </a:r>
+            <a:r>
+              <a:rPr lang="en-US" altLang="zh-CN" b="1" dirty="0" smtClean="0"/>
+              <a:t>");</a:t>
+            </a:r>
+          </a:p>
+          <a:p>
+            <a:r>
+              <a:rPr lang="en-US" altLang="zh-CN" b="1" i="1" dirty="0" smtClean="0"/>
+              <a:t>//</a:t>
+            </a:r>
+            <a:r>
+              <a:rPr lang="zh-CN" altLang="en-US" b="1" i="1" dirty="0" smtClean="0"/>
+              <a:t>创建一个事件（默认为本地和远程事件）</a:t>
+            </a:r>
+            <a:endParaRPr lang="en-US" altLang="zh-CN" i="1" dirty="0"/>
+          </a:p>
+          <a:p>
+            <a:r>
+              <a:rPr lang="en-US" altLang="zh-CN" b="1" dirty="0" smtClean="0"/>
               <a:t>Event </a:t>
             </a:r>
             <a:r>
-              <a:rPr lang="en-US" altLang="zh-CN" sz="1100" u="sng" dirty="0" err="1"/>
+              <a:rPr lang="en-US" altLang="zh-CN" b="1" dirty="0" err="1" smtClean="0"/>
               <a:t>event</a:t>
             </a:r>
             <a:r>
-              <a:rPr lang="en-US" altLang="zh-CN" sz="1100" u="sng" dirty="0"/>
-              <a:t> = </a:t>
-            </a:r>
-            <a:r>
-              <a:rPr lang="en-US" altLang="zh-CN" sz="1100" b="1" u="sng" dirty="0"/>
-              <a:t>null;</a:t>
-            </a:r>
-          </a:p>
-          <a:p>
-            <a:r>
-              <a:rPr lang="en-US" altLang="zh-CN" sz="1100" dirty="0"/>
-              <a:t>List&lt;Address&gt; addresses = </a:t>
-            </a:r>
-            <a:r>
-              <a:rPr lang="en-US" altLang="zh-CN" sz="1100" dirty="0" err="1"/>
-              <a:t>EventUtils.</a:t>
-            </a:r>
-            <a:r>
-              <a:rPr lang="en-US" altLang="zh-CN" sz="1100" i="1" dirty="0" err="1"/>
-              <a:t>getRPCAddresses</a:t>
-            </a:r>
-            <a:r>
-              <a:rPr lang="en-US" altLang="zh-CN" sz="1100" i="1" dirty="0"/>
-              <a:t>();</a:t>
-            </a:r>
-          </a:p>
-          <a:p>
-            <a:r>
-              <a:rPr lang="en-US" altLang="zh-CN" sz="1100" b="1" dirty="0"/>
-              <a:t>if(</a:t>
-            </a:r>
-            <a:r>
-              <a:rPr lang="en-US" altLang="zh-CN" sz="1100" b="1" dirty="0" err="1"/>
-              <a:t>addresses.size</a:t>
-            </a:r>
-            <a:r>
-              <a:rPr lang="en-US" altLang="zh-CN" sz="1100" b="1" dirty="0"/>
-              <a:t>() &gt; 0)//</a:t>
-            </a:r>
-            <a:r>
-              <a:rPr lang="zh-CN" altLang="en-US" sz="1100" b="1" dirty="0"/>
-              <a:t>往一个节点发送数据</a:t>
-            </a:r>
-          </a:p>
-          <a:p>
-            <a:r>
-              <a:rPr lang="en-US" altLang="zh-CN" sz="1100" dirty="0"/>
-              <a:t>{</a:t>
-            </a:r>
-          </a:p>
-          <a:p>
-            <a:r>
-              <a:rPr lang="en-US" altLang="zh-CN" sz="1100" dirty="0" err="1"/>
-              <a:t>defualtprotocoltarget</a:t>
-            </a:r>
-            <a:r>
-              <a:rPr lang="en-US" altLang="zh-CN" sz="1100" dirty="0"/>
-              <a:t> = </a:t>
-            </a:r>
-            <a:r>
-              <a:rPr lang="en-US" altLang="zh-CN" sz="1100" b="1" dirty="0"/>
-              <a:t>new </a:t>
-            </a:r>
-            <a:r>
-              <a:rPr lang="en-US" altLang="zh-CN" sz="1100" b="1" dirty="0" err="1"/>
-              <a:t>EventTarget</a:t>
-            </a:r>
-            <a:r>
-              <a:rPr lang="en-US" altLang="zh-CN" sz="1100" b="1" dirty="0"/>
-              <a:t>( </a:t>
-            </a:r>
-            <a:r>
-              <a:rPr lang="en-US" altLang="zh-CN" sz="1100" b="1" dirty="0" err="1"/>
-              <a:t>addresses.get</a:t>
-            </a:r>
-            <a:r>
-              <a:rPr lang="en-US" altLang="zh-CN" sz="1100" b="1" dirty="0"/>
-              <a:t>(0));</a:t>
-            </a:r>
-          </a:p>
-          <a:p>
-            <a:endParaRPr lang="zh-CN" altLang="en-US" sz="1100" dirty="0"/>
-          </a:p>
-          <a:p>
-            <a:endParaRPr lang="zh-CN" altLang="en-US" sz="1100" dirty="0"/>
-          </a:p>
-          <a:p>
-            <a:r>
-              <a:rPr lang="en-US" altLang="zh-CN" sz="1100" dirty="0"/>
-              <a:t>    event = </a:t>
-            </a:r>
-            <a:r>
-              <a:rPr lang="en-US" altLang="zh-CN" sz="1100" b="1" u="sng" dirty="0"/>
-              <a:t>new </a:t>
-            </a:r>
-            <a:r>
-              <a:rPr lang="en-US" altLang="zh-CN" sz="1100" b="1" u="sng" dirty="0" err="1"/>
+              <a:rPr lang="en-US" altLang="zh-CN" b="1" dirty="0" smtClean="0"/>
+              <a:t> = new </a:t>
+            </a:r>
+            <a:r>
+              <a:rPr lang="en-US" altLang="zh-CN" b="1" dirty="0" err="1" smtClean="0"/>
               <a:t>EventImpl</a:t>
             </a:r>
             <a:r>
-              <a:rPr lang="en-US" altLang="zh-CN" sz="1100" b="1" u="sng" dirty="0"/>
-              <a:t>("hello world type2 with </a:t>
-            </a:r>
-            <a:r>
-              <a:rPr lang="en-US" altLang="zh-CN" sz="1100" b="1" u="sng" dirty="0" err="1"/>
-              <a:t>jgroup</a:t>
-            </a:r>
-            <a:r>
-              <a:rPr lang="en-US" altLang="zh-CN" sz="1100" b="1" u="sng" dirty="0"/>
-              <a:t> target[" + </a:t>
-            </a:r>
-            <a:r>
-              <a:rPr lang="en-US" altLang="zh-CN" sz="1100" b="1" u="sng" dirty="0" err="1"/>
-              <a:t>defualtprotocoltarget</a:t>
-            </a:r>
-            <a:r>
-              <a:rPr lang="en-US" altLang="zh-CN" sz="1100" b="1" u="sng" dirty="0"/>
-              <a:t> +"].",</a:t>
-            </a:r>
-          </a:p>
-          <a:p>
-            <a:r>
-              <a:rPr lang="en-US" altLang="zh-CN" sz="1100" u="sng" dirty="0"/>
-              <a:t>ExampleEventType.</a:t>
-            </a:r>
-            <a:r>
-              <a:rPr lang="en-US" altLang="zh-CN" sz="1100" i="1" u="sng" dirty="0"/>
-              <a:t>type2withtarget,</a:t>
-            </a:r>
-          </a:p>
-          <a:p>
-            <a:r>
-              <a:rPr lang="en-US" altLang="zh-CN" sz="1100" u="sng" dirty="0" err="1"/>
-              <a:t>defualtprotocoltarget</a:t>
-            </a:r>
-            <a:r>
-              <a:rPr lang="en-US" altLang="zh-CN" sz="1100" u="sng" dirty="0"/>
+              <a:rPr lang="en-US" altLang="zh-CN" b="1" dirty="0" smtClean="0"/>
+              <a:t> (</a:t>
+            </a:r>
+            <a:r>
+              <a:rPr lang="en-US" altLang="zh-CN" b="1" dirty="0" err="1" smtClean="0"/>
+              <a:t>trace,eventtype</a:t>
+            </a:r>
+            <a:r>
+              <a:rPr lang="en-US" altLang="zh-CN" b="1" dirty="0" smtClean="0"/>
               <a:t>);</a:t>
             </a:r>
           </a:p>
           <a:p>
-            <a:endParaRPr lang="zh-CN" altLang="en-US" sz="1100" dirty="0"/>
-          </a:p>
-          <a:p>
-            <a:r>
-              <a:rPr lang="en-US" altLang="zh-CN" sz="1100" dirty="0" err="1" smtClean="0"/>
+            <a:r>
+              <a:rPr lang="en-US" altLang="zh-CN" b="1" dirty="0" smtClean="0"/>
+              <a:t>//</a:t>
+            </a:r>
+            <a:r>
+              <a:rPr lang="en-US" altLang="zh-CN" u="sng" dirty="0"/>
+              <a:t> </a:t>
+            </a:r>
+            <a:r>
+              <a:rPr lang="en-US" altLang="zh-CN" b="1" dirty="0"/>
+              <a:t>Event </a:t>
+            </a:r>
+            <a:r>
+              <a:rPr lang="en-US" altLang="zh-CN" b="1" dirty="0" err="1"/>
+              <a:t>event</a:t>
+            </a:r>
+            <a:r>
+              <a:rPr lang="en-US" altLang="zh-CN" b="1" dirty="0"/>
+              <a:t> = new </a:t>
+            </a:r>
+            <a:r>
+              <a:rPr lang="en-US" altLang="zh-CN" b="1" dirty="0" err="1"/>
+              <a:t>EventImpl</a:t>
+            </a:r>
+            <a:r>
+              <a:rPr lang="en-US" altLang="zh-CN" b="1" dirty="0"/>
+              <a:t> (</a:t>
+            </a:r>
+            <a:r>
+              <a:rPr lang="en-US" altLang="zh-CN" b="1" dirty="0" err="1" smtClean="0"/>
+              <a:t>trace,eventtype</a:t>
+            </a:r>
+            <a:r>
+              <a:rPr lang="en-US" altLang="zh-CN" u="sng" dirty="0" err="1" smtClean="0"/>
+              <a:t>,Event.</a:t>
+            </a:r>
+            <a:r>
+              <a:rPr lang="en-US" altLang="zh-CN" i="1" u="sng" dirty="0" err="1" smtClean="0"/>
+              <a:t>LOCAL</a:t>
+            </a:r>
+            <a:r>
+              <a:rPr lang="en-US" altLang="zh-CN" i="1" u="sng" dirty="0" smtClean="0"/>
+              <a:t>);</a:t>
+            </a:r>
+            <a:r>
+              <a:rPr lang="zh-CN" altLang="en-US" i="1" u="sng" dirty="0" smtClean="0"/>
+              <a:t>本地事件</a:t>
+            </a:r>
+            <a:endParaRPr lang="en-US" altLang="zh-CN" i="1" u="sng" dirty="0" smtClean="0"/>
+          </a:p>
+          <a:p>
+            <a:r>
+              <a:rPr lang="en-US" altLang="zh-CN" b="1" dirty="0"/>
+              <a:t>//</a:t>
+            </a:r>
+            <a:r>
+              <a:rPr lang="en-US" altLang="zh-CN" u="sng" dirty="0"/>
+              <a:t> </a:t>
+            </a:r>
+            <a:r>
+              <a:rPr lang="en-US" altLang="zh-CN" b="1" dirty="0"/>
+              <a:t>Event </a:t>
+            </a:r>
+            <a:r>
+              <a:rPr lang="en-US" altLang="zh-CN" b="1" dirty="0" err="1"/>
+              <a:t>event</a:t>
+            </a:r>
+            <a:r>
+              <a:rPr lang="en-US" altLang="zh-CN" b="1" dirty="0"/>
+              <a:t> = new </a:t>
+            </a:r>
+            <a:r>
+              <a:rPr lang="en-US" altLang="zh-CN" b="1" dirty="0" err="1"/>
+              <a:t>EventImpl</a:t>
+            </a:r>
+            <a:r>
+              <a:rPr lang="en-US" altLang="zh-CN" b="1" dirty="0"/>
+              <a:t> (</a:t>
+            </a:r>
+            <a:r>
+              <a:rPr lang="en-US" altLang="zh-CN" b="1" dirty="0" err="1" smtClean="0"/>
+              <a:t>trace,eventtype</a:t>
+            </a:r>
+            <a:r>
+              <a:rPr lang="en-US" altLang="zh-CN" u="sng" dirty="0"/>
+              <a:t>, </a:t>
+            </a:r>
+            <a:r>
+              <a:rPr lang="en-US" altLang="zh-CN" u="sng" dirty="0" err="1"/>
+              <a:t>Event.</a:t>
+            </a:r>
+            <a:r>
+              <a:rPr lang="en-US" altLang="zh-CN" i="1" u="sng" dirty="0" err="1"/>
+              <a:t>REMOTE</a:t>
+            </a:r>
+            <a:r>
+              <a:rPr lang="en-US" altLang="zh-CN" i="1" u="sng" dirty="0" smtClean="0"/>
+              <a:t>);</a:t>
+            </a:r>
+            <a:r>
+              <a:rPr lang="zh-CN" altLang="en-US" i="1" u="sng" dirty="0" smtClean="0"/>
+              <a:t>远程事件</a:t>
+            </a:r>
+            <a:r>
+              <a:rPr lang="en-US" altLang="zh-CN" i="1" u="sng" dirty="0" smtClean="0"/>
+              <a:t>(</a:t>
+            </a:r>
+            <a:r>
+              <a:rPr lang="zh-CN" altLang="en-US" i="1" u="sng" dirty="0" smtClean="0"/>
+              <a:t>如果没有开启远程事件，远程事件将被丢弃</a:t>
+            </a:r>
+            <a:r>
+              <a:rPr lang="en-US" altLang="zh-CN" i="1" u="sng" dirty="0" smtClean="0"/>
+              <a:t>)</a:t>
+            </a:r>
+          </a:p>
+          <a:p>
+            <a:r>
+              <a:rPr lang="en-US" altLang="zh-CN" b="1" dirty="0"/>
+              <a:t>//</a:t>
+            </a:r>
+            <a:r>
+              <a:rPr lang="en-US" altLang="zh-CN" u="sng" dirty="0"/>
+              <a:t> </a:t>
+            </a:r>
+            <a:r>
+              <a:rPr lang="en-US" altLang="zh-CN" b="1" dirty="0"/>
+              <a:t>Event </a:t>
+            </a:r>
+            <a:r>
+              <a:rPr lang="en-US" altLang="zh-CN" b="1" dirty="0" err="1"/>
+              <a:t>event</a:t>
+            </a:r>
+            <a:r>
+              <a:rPr lang="en-US" altLang="zh-CN" b="1" dirty="0"/>
+              <a:t> = new </a:t>
+            </a:r>
+            <a:r>
+              <a:rPr lang="en-US" altLang="zh-CN" b="1" dirty="0" err="1"/>
+              <a:t>EventImpl</a:t>
+            </a:r>
+            <a:r>
+              <a:rPr lang="en-US" altLang="zh-CN" b="1" dirty="0"/>
+              <a:t> (</a:t>
+            </a:r>
+            <a:r>
+              <a:rPr lang="en-US" altLang="zh-CN" b="1" dirty="0" err="1" smtClean="0"/>
+              <a:t>trace,eventtype</a:t>
+            </a:r>
+            <a:r>
+              <a:rPr lang="en-US" altLang="zh-CN" u="sng" dirty="0"/>
+              <a:t>, </a:t>
+            </a:r>
+            <a:r>
+              <a:rPr lang="en-US" altLang="zh-CN" u="sng" dirty="0" err="1"/>
+              <a:t>Event.</a:t>
+            </a:r>
+            <a:r>
+              <a:rPr lang="en-US" altLang="zh-CN" i="1" u="sng" dirty="0" err="1"/>
+              <a:t>REMOTELOCAL</a:t>
+            </a:r>
+            <a:r>
+              <a:rPr lang="en-US" altLang="zh-CN" i="1" u="sng" dirty="0" smtClean="0"/>
+              <a:t>);</a:t>
+            </a:r>
+            <a:r>
+              <a:rPr lang="zh-CN" altLang="en-US" i="1" u="sng" dirty="0" smtClean="0"/>
+              <a:t>本地远程事件</a:t>
+            </a:r>
+            <a:r>
+              <a:rPr lang="en-US" altLang="zh-CN" i="1" u="sng" dirty="0"/>
+              <a:t>(</a:t>
+            </a:r>
+            <a:r>
+              <a:rPr lang="zh-CN" altLang="en-US" i="1" u="sng" dirty="0"/>
+              <a:t>如果没有开启远程事件</a:t>
+            </a:r>
+            <a:r>
+              <a:rPr lang="zh-CN" altLang="en-US" i="1" u="sng" dirty="0" smtClean="0"/>
+              <a:t>，只会发送到本地，不发发送远程事件</a:t>
+            </a:r>
+            <a:r>
+              <a:rPr lang="en-US" altLang="zh-CN" i="1" u="sng" dirty="0" smtClean="0"/>
+              <a:t>)</a:t>
+            </a:r>
+            <a:endParaRPr lang="en-US" altLang="zh-CN" b="1" dirty="0" smtClean="0"/>
+          </a:p>
+          <a:p>
+            <a:r>
+              <a:rPr lang="en-US" altLang="zh-CN" b="1" i="1" dirty="0" smtClean="0"/>
+              <a:t>//</a:t>
+            </a:r>
+            <a:r>
+              <a:rPr lang="zh-CN" altLang="en-US" b="1" i="1" dirty="0" smtClean="0"/>
+              <a:t>发送事件</a:t>
+            </a:r>
+            <a:endParaRPr lang="en-US" altLang="zh-CN" i="1" dirty="0"/>
+          </a:p>
+          <a:p>
+            <a:r>
+              <a:rPr lang="en-US" altLang="zh-CN" dirty="0" err="1" smtClean="0"/>
               <a:t>EventHandle.</a:t>
             </a:r>
             <a:r>
-              <a:rPr lang="en-US" altLang="zh-CN" sz="1100" i="1" dirty="0" err="1" smtClean="0"/>
+              <a:rPr lang="en-US" altLang="zh-CN" i="1" dirty="0" err="1" smtClean="0"/>
               <a:t>sendEvent</a:t>
             </a:r>
             <a:r>
-              <a:rPr lang="en-US" altLang="zh-CN" sz="1100" i="1" dirty="0" smtClean="0"/>
+              <a:rPr lang="en-US" altLang="zh-CN" i="1" dirty="0" smtClean="0"/>
               <a:t>(</a:t>
             </a:r>
             <a:r>
-              <a:rPr lang="en-US" altLang="zh-CN" sz="1100" b="1" dirty="0" smtClean="0"/>
-              <a:t>event);</a:t>
-            </a:r>
-            <a:endParaRPr lang="en-US" altLang="zh-CN" sz="1100" i="1" dirty="0" smtClean="0"/>
-          </a:p>
-          <a:p>
-            <a:r>
-              <a:rPr lang="en-US" altLang="zh-CN" sz="1100" dirty="0" smtClean="0"/>
-              <a:t>}</a:t>
-            </a:r>
-          </a:p>
-          <a:p>
-            <a:r>
-              <a:rPr lang="en-US" altLang="zh-CN" sz="1100" b="1" dirty="0" smtClean="0"/>
-              <a:t>if(</a:t>
-            </a:r>
-            <a:r>
-              <a:rPr lang="en-US" altLang="zh-CN" sz="1100" b="1" dirty="0" err="1" smtClean="0"/>
-              <a:t>addresses.size</a:t>
-            </a:r>
-            <a:r>
-              <a:rPr lang="en-US" altLang="zh-CN" sz="1100" b="1" dirty="0"/>
-              <a:t>() &gt; 2)//</a:t>
-            </a:r>
-            <a:r>
-              <a:rPr lang="zh-CN" altLang="en-US" sz="1100" b="1" dirty="0"/>
-              <a:t>往前两个节点发送数据</a:t>
-            </a:r>
-          </a:p>
-          <a:p>
-            <a:r>
-              <a:rPr lang="en-US" altLang="zh-CN" sz="1100" dirty="0"/>
-              <a:t>{</a:t>
-            </a:r>
-          </a:p>
-          <a:p>
-            <a:endParaRPr lang="zh-CN" altLang="en-US" sz="1100" dirty="0"/>
-          </a:p>
-          <a:p>
-            <a:r>
-              <a:rPr lang="en-US" altLang="zh-CN" sz="1100" dirty="0" err="1"/>
-              <a:t>defualtprotocoltarget</a:t>
-            </a:r>
-            <a:r>
-              <a:rPr lang="en-US" altLang="zh-CN" sz="1100" dirty="0"/>
-              <a:t> = </a:t>
-            </a:r>
-            <a:r>
-              <a:rPr lang="en-US" altLang="zh-CN" sz="1100" b="1" dirty="0"/>
-              <a:t>new </a:t>
-            </a:r>
-            <a:r>
-              <a:rPr lang="en-US" altLang="zh-CN" sz="1100" b="1" dirty="0" err="1"/>
-              <a:t>EventTarget</a:t>
-            </a:r>
-            <a:r>
-              <a:rPr lang="en-US" altLang="zh-CN" sz="1100" b="1" dirty="0"/>
-              <a:t>(</a:t>
-            </a:r>
-            <a:r>
-              <a:rPr lang="en-US" altLang="zh-CN" sz="1100" b="1" dirty="0" err="1"/>
-              <a:t>addresses.subList</a:t>
-            </a:r>
-            <a:r>
-              <a:rPr lang="en-US" altLang="zh-CN" sz="1100" b="1" dirty="0"/>
-              <a:t>(0, 2));</a:t>
-            </a:r>
-          </a:p>
-          <a:p>
-            <a:r>
-              <a:rPr lang="en-US" altLang="zh-CN" sz="1100" dirty="0"/>
-              <a:t>event = </a:t>
-            </a:r>
-            <a:r>
-              <a:rPr lang="en-US" altLang="zh-CN" sz="1100" b="1" u="sng" dirty="0"/>
-              <a:t>new </a:t>
-            </a:r>
-            <a:r>
-              <a:rPr lang="en-US" altLang="zh-CN" sz="1100" b="1" u="sng" dirty="0" err="1"/>
-              <a:t>EventImpl</a:t>
-            </a:r>
-            <a:r>
-              <a:rPr lang="en-US" altLang="zh-CN" sz="1100" b="1" u="sng" dirty="0"/>
-              <a:t>("hello world type2 with </a:t>
-            </a:r>
-            <a:r>
-              <a:rPr lang="en-US" altLang="zh-CN" sz="1100" b="1" u="sng" dirty="0" err="1"/>
-              <a:t>jgroups</a:t>
-            </a:r>
-            <a:r>
-              <a:rPr lang="en-US" altLang="zh-CN" sz="1100" b="1" u="sng" dirty="0"/>
-              <a:t> target[" + </a:t>
-            </a:r>
-            <a:r>
-              <a:rPr lang="en-US" altLang="zh-CN" sz="1100" b="1" u="sng" dirty="0" err="1"/>
-              <a:t>defualtprotocoltarget</a:t>
-            </a:r>
-            <a:r>
-              <a:rPr lang="en-US" altLang="zh-CN" sz="1100" b="1" u="sng" dirty="0"/>
-              <a:t> +"].",</a:t>
-            </a:r>
-          </a:p>
-          <a:p>
-            <a:r>
-              <a:rPr lang="en-US" altLang="zh-CN" sz="1100" u="sng" dirty="0"/>
-              <a:t>ExampleEventType.</a:t>
-            </a:r>
-            <a:r>
-              <a:rPr lang="en-US" altLang="zh-CN" sz="1100" i="1" u="sng" dirty="0"/>
-              <a:t>type2withtarget,</a:t>
-            </a:r>
-          </a:p>
-          <a:p>
-            <a:r>
-              <a:rPr lang="en-US" altLang="zh-CN" sz="1100" u="sng" dirty="0" err="1"/>
-              <a:t>defualtprotocoltarget</a:t>
-            </a:r>
-            <a:r>
-              <a:rPr lang="en-US" altLang="zh-CN" sz="1100" u="sng" dirty="0"/>
+              <a:rPr lang="en-US" altLang="zh-CN" b="1" dirty="0"/>
+              <a:t>event </a:t>
+            </a:r>
+            <a:r>
+              <a:rPr lang="en-US" altLang="zh-CN" b="1" i="1" dirty="0" smtClean="0"/>
               <a:t>);</a:t>
             </a:r>
-          </a:p>
-          <a:p>
-            <a:endParaRPr lang="zh-CN" altLang="en-US" sz="1100" dirty="0"/>
-          </a:p>
-          <a:p>
-            <a:r>
-              <a:rPr lang="en-US" altLang="zh-CN" sz="1100" dirty="0" err="1"/>
-              <a:t>EventHandle.</a:t>
-            </a:r>
-            <a:r>
-              <a:rPr lang="en-US" altLang="zh-CN" sz="1100" i="1" dirty="0" err="1"/>
-              <a:t>sendEvent</a:t>
-            </a:r>
-            <a:r>
-              <a:rPr lang="en-US" altLang="zh-CN" sz="1100" i="1" dirty="0"/>
-              <a:t>(</a:t>
-            </a:r>
-            <a:r>
-              <a:rPr lang="en-US" altLang="zh-CN" sz="1100" b="1" dirty="0"/>
-              <a:t>event</a:t>
-            </a:r>
-            <a:r>
-              <a:rPr lang="en-US" altLang="zh-CN" sz="1100" i="1" dirty="0" smtClean="0"/>
-              <a:t>);</a:t>
-            </a:r>
-            <a:endParaRPr lang="en-US" altLang="zh-CN" sz="1100" i="1" dirty="0"/>
-          </a:p>
-          <a:p>
-            <a:r>
-              <a:rPr lang="en-US" altLang="zh-CN" sz="1100" dirty="0"/>
-              <a:t>}</a:t>
-            </a:r>
-            <a:endParaRPr lang="zh-CN" altLang="en-US" sz="1100" dirty="0"/>
+            <a:endParaRPr lang="en-US" altLang="zh-CN" b="1" dirty="0" smtClean="0"/>
           </a:p>
         </p:txBody>
       </p:sp>
     </p:spTree>
     <p:extLst>
       <p:ext uri="{BB962C8B-B14F-4D97-AF65-F5344CB8AC3E}">
-        <p14:creationId xmlns:p14="http://schemas.microsoft.com/office/powerpoint/2010/main" val="3237091773"/>
+        <p14:creationId xmlns:p14="http://schemas.microsoft.com/office/powerpoint/2010/main" val="98987985"/>
       </p:ext>
     </p:extLst>
   </p:cSld>
@@ -12380,6 +12120,922 @@
         <p:spPr>
           <a:xfrm>
             <a:off x="81310" y="1412776"/>
+            <a:ext cx="8595146" cy="677108"/>
+          </a:xfrm>
+          <a:prstGeom prst="rect">
+            <a:avLst/>
+          </a:prstGeom>
+          <a:noFill/>
+        </p:spPr>
+        <p:txBody>
+          <a:bodyPr wrap="square" rtlCol="0">
+            <a:spAutoFit/>
+          </a:bodyPr>
+          <a:lstStyle/>
+          <a:p>
+            <a:endParaRPr lang="en-US" altLang="zh-CN" i="1" dirty="0"/>
+          </a:p>
+          <a:p>
+            <a:r>
+              <a:rPr lang="zh-CN" altLang="en-US" sz="2000" b="1" i="1" dirty="0" smtClean="0"/>
+              <a:t>指定目标地址发送消息：</a:t>
+            </a:r>
+            <a:endParaRPr lang="en-US" altLang="zh-CN" sz="2000" b="1" i="1" dirty="0"/>
+          </a:p>
+        </p:txBody>
+      </p:sp>
+      <p:sp>
+        <p:nvSpPr>
+          <p:cNvPr id="4" name="TextBox 3"/>
+          <p:cNvSpPr txBox="1"/>
+          <p:nvPr/>
+        </p:nvSpPr>
+        <p:spPr>
+          <a:xfrm>
+            <a:off x="261868" y="2276872"/>
+            <a:ext cx="5750292" cy="4093428"/>
+          </a:xfrm>
+          <a:prstGeom prst="rect">
+            <a:avLst/>
+          </a:prstGeom>
+          <a:noFill/>
+        </p:spPr>
+        <p:txBody>
+          <a:bodyPr wrap="none" rtlCol="0">
+            <a:spAutoFit/>
+          </a:bodyPr>
+          <a:lstStyle/>
+          <a:p>
+            <a:r>
+              <a:rPr lang="en-US" altLang="zh-CN" sz="1100" u="sng" dirty="0"/>
+              <a:t>Event </a:t>
+            </a:r>
+            <a:r>
+              <a:rPr lang="en-US" altLang="zh-CN" sz="1100" u="sng" dirty="0" err="1"/>
+              <a:t>event</a:t>
+            </a:r>
+            <a:r>
+              <a:rPr lang="en-US" altLang="zh-CN" sz="1100" u="sng" dirty="0"/>
+              <a:t> = </a:t>
+            </a:r>
+            <a:r>
+              <a:rPr lang="en-US" altLang="zh-CN" sz="1100" b="1" u="sng" dirty="0"/>
+              <a:t>null;</a:t>
+            </a:r>
+          </a:p>
+          <a:p>
+            <a:r>
+              <a:rPr lang="en-US" altLang="zh-CN" sz="1100" dirty="0"/>
+              <a:t>List&lt;Address&gt; addresses = </a:t>
+            </a:r>
+            <a:r>
+              <a:rPr lang="en-US" altLang="zh-CN" sz="1100" dirty="0" err="1"/>
+              <a:t>EventUtils.</a:t>
+            </a:r>
+            <a:r>
+              <a:rPr lang="en-US" altLang="zh-CN" sz="1100" i="1" dirty="0" err="1"/>
+              <a:t>getRPCAddresses</a:t>
+            </a:r>
+            <a:r>
+              <a:rPr lang="en-US" altLang="zh-CN" sz="1100" i="1" dirty="0"/>
+              <a:t>();</a:t>
+            </a:r>
+          </a:p>
+          <a:p>
+            <a:r>
+              <a:rPr lang="en-US" altLang="zh-CN" sz="1100" b="1" dirty="0"/>
+              <a:t>if(</a:t>
+            </a:r>
+            <a:r>
+              <a:rPr lang="en-US" altLang="zh-CN" sz="1100" b="1" dirty="0" err="1"/>
+              <a:t>addresses.size</a:t>
+            </a:r>
+            <a:r>
+              <a:rPr lang="en-US" altLang="zh-CN" sz="1100" b="1" dirty="0"/>
+              <a:t>() &gt; 0)//</a:t>
+            </a:r>
+            <a:r>
+              <a:rPr lang="zh-CN" altLang="en-US" sz="1100" b="1" dirty="0"/>
+              <a:t>往一个节点发送数据</a:t>
+            </a:r>
+          </a:p>
+          <a:p>
+            <a:r>
+              <a:rPr lang="en-US" altLang="zh-CN" sz="1100" dirty="0"/>
+              <a:t>{</a:t>
+            </a:r>
+          </a:p>
+          <a:p>
+            <a:r>
+              <a:rPr lang="en-US" altLang="zh-CN" sz="1100" dirty="0" err="1"/>
+              <a:t>defualtprotocoltarget</a:t>
+            </a:r>
+            <a:r>
+              <a:rPr lang="en-US" altLang="zh-CN" sz="1100" dirty="0"/>
+              <a:t> = </a:t>
+            </a:r>
+            <a:r>
+              <a:rPr lang="en-US" altLang="zh-CN" sz="1100" b="1" dirty="0"/>
+              <a:t>new </a:t>
+            </a:r>
+            <a:r>
+              <a:rPr lang="en-US" altLang="zh-CN" sz="1100" b="1" dirty="0" err="1"/>
+              <a:t>EventTarget</a:t>
+            </a:r>
+            <a:r>
+              <a:rPr lang="en-US" altLang="zh-CN" sz="1100" b="1" dirty="0"/>
+              <a:t>( </a:t>
+            </a:r>
+            <a:r>
+              <a:rPr lang="en-US" altLang="zh-CN" sz="1100" b="1" dirty="0" err="1"/>
+              <a:t>addresses.get</a:t>
+            </a:r>
+            <a:r>
+              <a:rPr lang="en-US" altLang="zh-CN" sz="1100" b="1" dirty="0"/>
+              <a:t>(0));</a:t>
+            </a:r>
+          </a:p>
+          <a:p>
+            <a:endParaRPr lang="zh-CN" altLang="en-US" sz="1100" dirty="0"/>
+          </a:p>
+          <a:p>
+            <a:endParaRPr lang="zh-CN" altLang="en-US" sz="1100" dirty="0"/>
+          </a:p>
+          <a:p>
+            <a:r>
+              <a:rPr lang="en-US" altLang="zh-CN" sz="1100" dirty="0"/>
+              <a:t>    event = </a:t>
+            </a:r>
+            <a:r>
+              <a:rPr lang="en-US" altLang="zh-CN" sz="1100" b="1" u="sng" dirty="0"/>
+              <a:t>new </a:t>
+            </a:r>
+            <a:r>
+              <a:rPr lang="en-US" altLang="zh-CN" sz="1100" b="1" u="sng" dirty="0" err="1"/>
+              <a:t>EventImpl</a:t>
+            </a:r>
+            <a:r>
+              <a:rPr lang="en-US" altLang="zh-CN" sz="1100" b="1" u="sng" dirty="0"/>
+              <a:t>("hello world type2 with </a:t>
+            </a:r>
+            <a:r>
+              <a:rPr lang="en-US" altLang="zh-CN" sz="1100" b="1" u="sng" dirty="0" err="1"/>
+              <a:t>jgroup</a:t>
+            </a:r>
+            <a:r>
+              <a:rPr lang="en-US" altLang="zh-CN" sz="1100" b="1" u="sng" dirty="0"/>
+              <a:t> target[" + </a:t>
+            </a:r>
+            <a:r>
+              <a:rPr lang="en-US" altLang="zh-CN" sz="1100" b="1" u="sng" dirty="0" err="1"/>
+              <a:t>defualtprotocoltarget</a:t>
+            </a:r>
+            <a:r>
+              <a:rPr lang="en-US" altLang="zh-CN" sz="1100" b="1" u="sng" dirty="0"/>
+              <a:t> +"].",</a:t>
+            </a:r>
+          </a:p>
+          <a:p>
+            <a:r>
+              <a:rPr lang="en-US" altLang="zh-CN" sz="1100" u="sng" dirty="0"/>
+              <a:t>ExampleEventType.</a:t>
+            </a:r>
+            <a:r>
+              <a:rPr lang="en-US" altLang="zh-CN" sz="1100" i="1" u="sng" dirty="0"/>
+              <a:t>type2withtarget,</a:t>
+            </a:r>
+          </a:p>
+          <a:p>
+            <a:r>
+              <a:rPr lang="en-US" altLang="zh-CN" sz="1100" u="sng" dirty="0" err="1"/>
+              <a:t>defualtprotocoltarget</a:t>
+            </a:r>
+            <a:r>
+              <a:rPr lang="en-US" altLang="zh-CN" sz="1100" u="sng" dirty="0"/>
+              <a:t>);</a:t>
+            </a:r>
+          </a:p>
+          <a:p>
+            <a:endParaRPr lang="zh-CN" altLang="en-US" sz="1100" dirty="0"/>
+          </a:p>
+          <a:p>
+            <a:r>
+              <a:rPr lang="en-US" altLang="zh-CN" sz="1100" dirty="0" err="1" smtClean="0"/>
+              <a:t>EventHandle.</a:t>
+            </a:r>
+            <a:r>
+              <a:rPr lang="en-US" altLang="zh-CN" sz="1100" i="1" dirty="0" err="1" smtClean="0"/>
+              <a:t>sendEvent</a:t>
+            </a:r>
+            <a:r>
+              <a:rPr lang="en-US" altLang="zh-CN" sz="1100" i="1" dirty="0" smtClean="0"/>
+              <a:t>(</a:t>
+            </a:r>
+            <a:r>
+              <a:rPr lang="en-US" altLang="zh-CN" sz="1100" b="1" dirty="0" smtClean="0"/>
+              <a:t>event);</a:t>
+            </a:r>
+            <a:endParaRPr lang="en-US" altLang="zh-CN" sz="1100" i="1" dirty="0" smtClean="0"/>
+          </a:p>
+          <a:p>
+            <a:r>
+              <a:rPr lang="en-US" altLang="zh-CN" sz="1100" dirty="0" smtClean="0"/>
+              <a:t>}</a:t>
+            </a:r>
+          </a:p>
+          <a:p>
+            <a:r>
+              <a:rPr lang="en-US" altLang="zh-CN" sz="1100" b="1" dirty="0" smtClean="0"/>
+              <a:t>if(</a:t>
+            </a:r>
+            <a:r>
+              <a:rPr lang="en-US" altLang="zh-CN" sz="1100" b="1" dirty="0" err="1" smtClean="0"/>
+              <a:t>addresses.size</a:t>
+            </a:r>
+            <a:r>
+              <a:rPr lang="en-US" altLang="zh-CN" sz="1100" b="1" dirty="0"/>
+              <a:t>() &gt; 2)//</a:t>
+            </a:r>
+            <a:r>
+              <a:rPr lang="zh-CN" altLang="en-US" sz="1100" b="1" dirty="0"/>
+              <a:t>往前两个节点发送数据</a:t>
+            </a:r>
+          </a:p>
+          <a:p>
+            <a:r>
+              <a:rPr lang="en-US" altLang="zh-CN" sz="1100" dirty="0"/>
+              <a:t>{</a:t>
+            </a:r>
+          </a:p>
+          <a:p>
+            <a:endParaRPr lang="zh-CN" altLang="en-US" sz="1100" dirty="0"/>
+          </a:p>
+          <a:p>
+            <a:r>
+              <a:rPr lang="en-US" altLang="zh-CN" sz="1100" dirty="0" err="1"/>
+              <a:t>defualtprotocoltarget</a:t>
+            </a:r>
+            <a:r>
+              <a:rPr lang="en-US" altLang="zh-CN" sz="1100" dirty="0"/>
+              <a:t> = </a:t>
+            </a:r>
+            <a:r>
+              <a:rPr lang="en-US" altLang="zh-CN" sz="1100" b="1" dirty="0"/>
+              <a:t>new </a:t>
+            </a:r>
+            <a:r>
+              <a:rPr lang="en-US" altLang="zh-CN" sz="1100" b="1" dirty="0" err="1"/>
+              <a:t>EventTarget</a:t>
+            </a:r>
+            <a:r>
+              <a:rPr lang="en-US" altLang="zh-CN" sz="1100" b="1" dirty="0"/>
+              <a:t>(</a:t>
+            </a:r>
+            <a:r>
+              <a:rPr lang="en-US" altLang="zh-CN" sz="1100" b="1" dirty="0" err="1"/>
+              <a:t>addresses.subList</a:t>
+            </a:r>
+            <a:r>
+              <a:rPr lang="en-US" altLang="zh-CN" sz="1100" b="1" dirty="0"/>
+              <a:t>(0, 2));</a:t>
+            </a:r>
+          </a:p>
+          <a:p>
+            <a:r>
+              <a:rPr lang="en-US" altLang="zh-CN" sz="1100" dirty="0"/>
+              <a:t>event = </a:t>
+            </a:r>
+            <a:r>
+              <a:rPr lang="en-US" altLang="zh-CN" sz="1100" b="1" u="sng" dirty="0"/>
+              <a:t>new </a:t>
+            </a:r>
+            <a:r>
+              <a:rPr lang="en-US" altLang="zh-CN" sz="1100" b="1" u="sng" dirty="0" err="1"/>
+              <a:t>EventImpl</a:t>
+            </a:r>
+            <a:r>
+              <a:rPr lang="en-US" altLang="zh-CN" sz="1100" b="1" u="sng" dirty="0"/>
+              <a:t>("hello world type2 with </a:t>
+            </a:r>
+            <a:r>
+              <a:rPr lang="en-US" altLang="zh-CN" sz="1100" b="1" u="sng" dirty="0" err="1"/>
+              <a:t>jgroups</a:t>
+            </a:r>
+            <a:r>
+              <a:rPr lang="en-US" altLang="zh-CN" sz="1100" b="1" u="sng" dirty="0"/>
+              <a:t> target[" + </a:t>
+            </a:r>
+            <a:r>
+              <a:rPr lang="en-US" altLang="zh-CN" sz="1100" b="1" u="sng" dirty="0" err="1"/>
+              <a:t>defualtprotocoltarget</a:t>
+            </a:r>
+            <a:r>
+              <a:rPr lang="en-US" altLang="zh-CN" sz="1100" b="1" u="sng" dirty="0"/>
+              <a:t> +"].",</a:t>
+            </a:r>
+          </a:p>
+          <a:p>
+            <a:r>
+              <a:rPr lang="en-US" altLang="zh-CN" sz="1100" u="sng" dirty="0"/>
+              <a:t>ExampleEventType.</a:t>
+            </a:r>
+            <a:r>
+              <a:rPr lang="en-US" altLang="zh-CN" sz="1100" i="1" u="sng" dirty="0"/>
+              <a:t>type2withtarget,</a:t>
+            </a:r>
+          </a:p>
+          <a:p>
+            <a:r>
+              <a:rPr lang="en-US" altLang="zh-CN" sz="1100" u="sng" dirty="0" err="1"/>
+              <a:t>defualtprotocoltarget</a:t>
+            </a:r>
+            <a:r>
+              <a:rPr lang="en-US" altLang="zh-CN" sz="1100" u="sng" dirty="0"/>
+              <a:t>);</a:t>
+            </a:r>
+          </a:p>
+          <a:p>
+            <a:endParaRPr lang="zh-CN" altLang="en-US" sz="1100" dirty="0"/>
+          </a:p>
+          <a:p>
+            <a:r>
+              <a:rPr lang="en-US" altLang="zh-CN" sz="1100" dirty="0" err="1"/>
+              <a:t>EventHandle.</a:t>
+            </a:r>
+            <a:r>
+              <a:rPr lang="en-US" altLang="zh-CN" sz="1100" i="1" dirty="0" err="1"/>
+              <a:t>sendEvent</a:t>
+            </a:r>
+            <a:r>
+              <a:rPr lang="en-US" altLang="zh-CN" sz="1100" i="1" dirty="0"/>
+              <a:t>(</a:t>
+            </a:r>
+            <a:r>
+              <a:rPr lang="en-US" altLang="zh-CN" sz="1100" b="1" dirty="0"/>
+              <a:t>event</a:t>
+            </a:r>
+            <a:r>
+              <a:rPr lang="en-US" altLang="zh-CN" sz="1100" i="1" dirty="0" smtClean="0"/>
+              <a:t>);</a:t>
+            </a:r>
+            <a:endParaRPr lang="en-US" altLang="zh-CN" sz="1100" i="1" dirty="0"/>
+          </a:p>
+          <a:p>
+            <a:r>
+              <a:rPr lang="en-US" altLang="zh-CN" sz="1100" dirty="0"/>
+              <a:t>}</a:t>
+            </a:r>
+            <a:endParaRPr lang="zh-CN" altLang="en-US" sz="1100" dirty="0"/>
+          </a:p>
+        </p:txBody>
+      </p:sp>
+    </p:spTree>
+    <p:extLst>
+      <p:ext uri="{BB962C8B-B14F-4D97-AF65-F5344CB8AC3E}">
+        <p14:creationId xmlns:p14="http://schemas.microsoft.com/office/powerpoint/2010/main" val="3237091773"/>
+      </p:ext>
+    </p:extLst>
+  </p:cSld>
+  <p:clrMapOvr>
+    <a:masterClrMapping/>
+  </p:clrMapOvr>
+  <p:timing>
+    <p:tnLst>
+      <p:par>
+        <p:cTn id="1" dur="indefinite" restart="never" nodeType="tmRoot"/>
+      </p:par>
+    </p:tnLst>
+  </p:timing>
+</p:sld>
+</file>
+
+<file path=ppt/slides/slide15.xml><?xml version="1.0" encoding="utf-8"?>
+<p:sld xmlns:a="http://schemas.openxmlformats.org/drawingml/2006/main" xmlns:r="http://schemas.openxmlformats.org/officeDocument/2006/relationships" xmlns:p="http://schemas.openxmlformats.org/presentationml/2006/main">
+  <p:cSld>
+    <p:spTree>
+      <p:nvGrpSpPr>
+        <p:cNvPr id="1" name=""/>
+        <p:cNvGrpSpPr/>
+        <p:nvPr/>
+      </p:nvGrpSpPr>
+      <p:grpSpPr>
+        <a:xfrm>
+          <a:off x="0" y="0"/>
+          <a:ext cx="0" cy="0"/>
+          <a:chOff x="0" y="0"/>
+          <a:chExt cx="0" cy="0"/>
+        </a:xfrm>
+      </p:grpSpPr>
+      <p:sp>
+        <p:nvSpPr>
+          <p:cNvPr id="2" name="页脚占位符 1"/>
+          <p:cNvSpPr>
+            <a:spLocks noGrp="1"/>
+          </p:cNvSpPr>
+          <p:nvPr>
+            <p:ph type="ftr" sz="quarter" idx="11"/>
+          </p:nvPr>
+        </p:nvSpPr>
+        <p:spPr>
+          <a:xfrm>
+            <a:off x="92224" y="6597352"/>
+            <a:ext cx="2895600" cy="196131"/>
+          </a:xfrm>
+        </p:spPr>
+        <p:txBody>
+          <a:bodyPr/>
+          <a:lstStyle/>
+          <a:p>
+            <a:r>
+              <a:rPr lang="zh-CN" altLang="en-US" dirty="0"/>
+              <a:t>信息化创造价值</a:t>
+            </a:r>
+          </a:p>
+        </p:txBody>
+      </p:sp>
+      <p:sp>
+        <p:nvSpPr>
+          <p:cNvPr id="3" name="灯片编号占位符 2"/>
+          <p:cNvSpPr>
+            <a:spLocks noGrp="1"/>
+          </p:cNvSpPr>
+          <p:nvPr>
+            <p:ph type="sldNum" sz="quarter" idx="12"/>
+          </p:nvPr>
+        </p:nvSpPr>
+        <p:spPr>
+          <a:xfrm>
+            <a:off x="7910247" y="6580262"/>
+            <a:ext cx="1080120" cy="233114"/>
+          </a:xfrm>
+        </p:spPr>
+        <p:txBody>
+          <a:bodyPr/>
+          <a:lstStyle/>
+          <a:p>
+            <a:fld id="{0C913308-F349-4B6D-A68A-DD1791B4A57B}" type="slidenum">
+              <a:rPr lang="zh-CN" altLang="en-US" smtClean="0"/>
+              <a:pPr/>
+              <a:t>15</a:t>
+            </a:fld>
+            <a:endParaRPr lang="zh-CN" altLang="en-US" dirty="0"/>
+          </a:p>
+        </p:txBody>
+      </p:sp>
+      <p:sp>
+        <p:nvSpPr>
+          <p:cNvPr id="5" name="标题 4"/>
+          <p:cNvSpPr>
+            <a:spLocks noGrp="1"/>
+          </p:cNvSpPr>
+          <p:nvPr>
+            <p:ph type="title"/>
+          </p:nvPr>
+        </p:nvSpPr>
+        <p:spPr/>
+        <p:txBody>
+          <a:bodyPr/>
+          <a:lstStyle/>
+          <a:p>
+            <a:pPr eaLnBrk="0" hangingPunct="0">
+              <a:spcBef>
+                <a:spcPct val="25000"/>
+              </a:spcBef>
+            </a:pPr>
+            <a:r>
+              <a:rPr lang="zh-CN" altLang="en-US" dirty="0" smtClean="0">
+                <a:solidFill>
+                  <a:srgbClr val="000066"/>
+                </a:solidFill>
+                <a:cs typeface="Arial Unicode MS" pitchFamily="34" charset="-122"/>
+              </a:rPr>
+              <a:t>事件框架架构</a:t>
+            </a:r>
+            <a:endParaRPr lang="zh-CN" altLang="en-US" dirty="0">
+              <a:solidFill>
+                <a:srgbClr val="000066"/>
+              </a:solidFill>
+              <a:cs typeface="Arial Unicode MS" pitchFamily="34" charset="-122"/>
+            </a:endParaRPr>
+          </a:p>
+        </p:txBody>
+      </p:sp>
+      <p:sp>
+        <p:nvSpPr>
+          <p:cNvPr id="11" name="Rectangle 2"/>
+          <p:cNvSpPr>
+            <a:spLocks noChangeArrowheads="1"/>
+          </p:cNvSpPr>
+          <p:nvPr/>
+        </p:nvSpPr>
+        <p:spPr bwMode="auto">
+          <a:xfrm>
+            <a:off x="1352550" y="0"/>
+            <a:ext cx="8324850" cy="620713"/>
+          </a:xfrm>
+          <a:prstGeom prst="rect">
+            <a:avLst/>
+          </a:prstGeom>
+          <a:noFill/>
+          <a:ln>
+            <a:noFill/>
+          </a:ln>
+          <a:extLst>
+            <a:ext uri="{909E8E84-426E-40DD-AFC4-6F175D3DCCD1}">
+              <a14:hiddenFill xmlns:a14="http://schemas.microsoft.com/office/drawing/2010/main">
+                <a:solidFill>
+                  <a:srgbClr val="FFFFFF"/>
+                </a:solidFill>
+              </a14:hiddenFill>
+            </a:ext>
+            <a:ext uri="{91240B29-F687-4F45-9708-019B960494DF}">
+              <a14:hiddenLine xmlns:a14="http://schemas.microsoft.com/office/drawing/2010/main" w="9525">
+                <a:solidFill>
+                  <a:srgbClr val="000000"/>
+                </a:solidFill>
+                <a:miter lim="800000"/>
+                <a:headEnd/>
+                <a:tailEnd/>
+              </a14:hiddenLine>
+            </a:ext>
+          </a:extLst>
+        </p:spPr>
+        <p:txBody>
+          <a:bodyPr anchor="ctr"/>
+          <a:lstStyle/>
+          <a:p>
+            <a:pPr eaLnBrk="0" hangingPunct="0">
+              <a:spcBef>
+                <a:spcPct val="25000"/>
+              </a:spcBef>
+            </a:pPr>
+            <a:endParaRPr lang="zh-CN" altLang="en-US" sz="2800" b="1" dirty="0">
+              <a:solidFill>
+                <a:srgbClr val="000066"/>
+              </a:solidFill>
+              <a:latin typeface="微软雅黑" pitchFamily="34" charset="-122"/>
+              <a:ea typeface="微软雅黑" pitchFamily="34" charset="-122"/>
+              <a:cs typeface="Arial Unicode MS" pitchFamily="34" charset="-122"/>
+            </a:endParaRPr>
+          </a:p>
+        </p:txBody>
+      </p:sp>
+      <p:cxnSp>
+        <p:nvCxnSpPr>
+          <p:cNvPr id="12" name="直接连接符 70"/>
+          <p:cNvCxnSpPr>
+            <a:cxnSpLocks noChangeShapeType="1"/>
+          </p:cNvCxnSpPr>
+          <p:nvPr/>
+        </p:nvCxnSpPr>
+        <p:spPr bwMode="auto">
+          <a:xfrm>
+            <a:off x="0" y="1340768"/>
+            <a:ext cx="9144000" cy="0"/>
+          </a:xfrm>
+          <a:prstGeom prst="line">
+            <a:avLst/>
+          </a:prstGeom>
+          <a:noFill/>
+          <a:ln w="3175" algn="ctr">
+            <a:solidFill>
+              <a:schemeClr val="tx1"/>
+            </a:solidFill>
+            <a:prstDash val="lgDash"/>
+            <a:round/>
+            <a:headEnd/>
+            <a:tailEnd/>
+          </a:ln>
+          <a:extLst>
+            <a:ext uri="{909E8E84-426E-40DD-AFC4-6F175D3DCCD1}">
+              <a14:hiddenFill xmlns:a14="http://schemas.microsoft.com/office/drawing/2010/main">
+                <a:noFill/>
+              </a14:hiddenFill>
+            </a:ext>
+          </a:extLst>
+        </p:spPr>
+      </p:cxnSp>
+      <p:sp>
+        <p:nvSpPr>
+          <p:cNvPr id="13" name="圆角矩形 12"/>
+          <p:cNvSpPr/>
+          <p:nvPr/>
+        </p:nvSpPr>
+        <p:spPr bwMode="auto">
+          <a:xfrm>
+            <a:off x="57150" y="620713"/>
+            <a:ext cx="792163" cy="863600"/>
+          </a:xfrm>
+          <a:prstGeom prst="roundRect">
+            <a:avLst/>
+          </a:prstGeom>
+          <a:noFill/>
+          <a:ln w="22225">
+            <a:noFill/>
+          </a:ln>
+        </p:spPr>
+        <p:style>
+          <a:lnRef idx="2">
+            <a:schemeClr val="accent1">
+              <a:shade val="50000"/>
+            </a:schemeClr>
+          </a:lnRef>
+          <a:fillRef idx="1">
+            <a:schemeClr val="accent1"/>
+          </a:fillRef>
+          <a:effectRef idx="0">
+            <a:schemeClr val="accent1"/>
+          </a:effectRef>
+          <a:fontRef idx="minor">
+            <a:schemeClr val="lt1"/>
+          </a:fontRef>
+        </p:style>
+        <p:txBody>
+          <a:bodyPr anchor="ctr"/>
+          <a:lstStyle/>
+          <a:p>
+            <a:pPr algn="ctr" defTabSz="1279525">
+              <a:defRPr/>
+            </a:pPr>
+            <a:r>
+              <a:rPr lang="zh-CN" altLang="en-US" b="1" dirty="0">
+                <a:solidFill>
+                  <a:schemeClr val="tx1"/>
+                </a:solidFill>
+                <a:latin typeface="微软雅黑" pitchFamily="34" charset="-122"/>
+                <a:ea typeface="微软雅黑" pitchFamily="34" charset="-122"/>
+              </a:rPr>
+              <a:t>大纲</a:t>
+            </a:r>
+          </a:p>
+        </p:txBody>
+      </p:sp>
+      <p:sp>
+        <p:nvSpPr>
+          <p:cNvPr id="28" name="燕尾形 27"/>
+          <p:cNvSpPr/>
+          <p:nvPr/>
+        </p:nvSpPr>
+        <p:spPr bwMode="auto">
+          <a:xfrm>
+            <a:off x="1610506" y="692497"/>
+            <a:ext cx="1223293" cy="576263"/>
+          </a:xfrm>
+          <a:prstGeom prst="chevron">
+            <a:avLst/>
+          </a:prstGeom>
+          <a:solidFill>
+            <a:schemeClr val="bg2">
+              <a:lumMod val="20000"/>
+              <a:lumOff val="80000"/>
+            </a:schemeClr>
+          </a:solidFill>
+          <a:ln>
+            <a:solidFill>
+              <a:schemeClr val="bg2">
+                <a:lumMod val="20000"/>
+                <a:lumOff val="80000"/>
+              </a:schemeClr>
+            </a:solidFill>
+            <a:headEnd/>
+            <a:tailEnd/>
+          </a:ln>
+        </p:spPr>
+        <p:style>
+          <a:lnRef idx="1">
+            <a:schemeClr val="accent1"/>
+          </a:lnRef>
+          <a:fillRef idx="2">
+            <a:schemeClr val="accent1"/>
+          </a:fillRef>
+          <a:effectRef idx="1">
+            <a:schemeClr val="accent1"/>
+          </a:effectRef>
+          <a:fontRef idx="minor">
+            <a:schemeClr val="dk1"/>
+          </a:fontRef>
+        </p:style>
+        <p:txBody>
+          <a:bodyPr anchor="ctr"/>
+          <a:lstStyle/>
+          <a:p>
+            <a:pPr algn="ctr" defTabSz="1279525"/>
+            <a:r>
+              <a:rPr lang="zh-CN" altLang="en-US" dirty="0">
+                <a:solidFill>
+                  <a:srgbClr val="A6A6A6"/>
+                </a:solidFill>
+                <a:latin typeface="微软雅黑" pitchFamily="34" charset="-122"/>
+                <a:ea typeface="微软雅黑" pitchFamily="34" charset="-122"/>
+              </a:rPr>
+              <a:t>架构</a:t>
+            </a:r>
+          </a:p>
+        </p:txBody>
+      </p:sp>
+      <p:sp>
+        <p:nvSpPr>
+          <p:cNvPr id="30" name="燕尾形 29"/>
+          <p:cNvSpPr/>
+          <p:nvPr/>
+        </p:nvSpPr>
+        <p:spPr bwMode="auto">
+          <a:xfrm>
+            <a:off x="4202832" y="709613"/>
+            <a:ext cx="1809328" cy="576262"/>
+          </a:xfrm>
+          <a:prstGeom prst="chevron">
+            <a:avLst/>
+          </a:prstGeom>
+          <a:ln>
+            <a:headEnd/>
+            <a:tailEnd/>
+          </a:ln>
+        </p:spPr>
+        <p:style>
+          <a:lnRef idx="1">
+            <a:schemeClr val="accent1"/>
+          </a:lnRef>
+          <a:fillRef idx="2">
+            <a:schemeClr val="accent1"/>
+          </a:fillRef>
+          <a:effectRef idx="1">
+            <a:schemeClr val="accent1"/>
+          </a:effectRef>
+          <a:fontRef idx="minor">
+            <a:schemeClr val="dk1"/>
+          </a:fontRef>
+        </p:style>
+        <p:txBody>
+          <a:bodyPr anchor="ctr"/>
+          <a:lstStyle/>
+          <a:p>
+            <a:pPr algn="ctr" defTabSz="1279525"/>
+            <a:r>
+              <a:rPr lang="zh-CN" altLang="en-US" b="1" dirty="0">
+                <a:solidFill>
+                  <a:srgbClr val="0066FF"/>
+                </a:solidFill>
+                <a:latin typeface="微软雅黑" pitchFamily="34" charset="-122"/>
+                <a:ea typeface="微软雅黑" pitchFamily="34" charset="-122"/>
+              </a:rPr>
+              <a:t>开发</a:t>
+            </a:r>
+            <a:r>
+              <a:rPr lang="en-US" altLang="zh-CN" b="1" dirty="0">
+                <a:solidFill>
+                  <a:srgbClr val="0066FF"/>
+                </a:solidFill>
+                <a:latin typeface="微软雅黑" pitchFamily="34" charset="-122"/>
+                <a:ea typeface="微软雅黑" pitchFamily="34" charset="-122"/>
+              </a:rPr>
+              <a:t>API</a:t>
+            </a:r>
+            <a:endParaRPr lang="zh-CN" altLang="en-US" b="1" dirty="0">
+              <a:solidFill>
+                <a:srgbClr val="0066FF"/>
+              </a:solidFill>
+              <a:latin typeface="微软雅黑" pitchFamily="34" charset="-122"/>
+              <a:ea typeface="微软雅黑" pitchFamily="34" charset="-122"/>
+            </a:endParaRPr>
+          </a:p>
+        </p:txBody>
+      </p:sp>
+      <p:sp>
+        <p:nvSpPr>
+          <p:cNvPr id="32" name="燕尾形 31"/>
+          <p:cNvSpPr/>
+          <p:nvPr/>
+        </p:nvSpPr>
+        <p:spPr bwMode="auto">
+          <a:xfrm>
+            <a:off x="2618656" y="692497"/>
+            <a:ext cx="1784424" cy="576263"/>
+          </a:xfrm>
+          <a:prstGeom prst="chevron">
+            <a:avLst/>
+          </a:prstGeom>
+          <a:solidFill>
+            <a:schemeClr val="bg2">
+              <a:lumMod val="20000"/>
+              <a:lumOff val="80000"/>
+            </a:schemeClr>
+          </a:solidFill>
+          <a:ln>
+            <a:solidFill>
+              <a:schemeClr val="bg2">
+                <a:lumMod val="20000"/>
+                <a:lumOff val="80000"/>
+              </a:schemeClr>
+            </a:solidFill>
+            <a:headEnd/>
+            <a:tailEnd/>
+          </a:ln>
+        </p:spPr>
+        <p:style>
+          <a:lnRef idx="1">
+            <a:schemeClr val="accent1"/>
+          </a:lnRef>
+          <a:fillRef idx="2">
+            <a:schemeClr val="accent1"/>
+          </a:fillRef>
+          <a:effectRef idx="1">
+            <a:schemeClr val="accent1"/>
+          </a:effectRef>
+          <a:fontRef idx="minor">
+            <a:schemeClr val="dk1"/>
+          </a:fontRef>
+        </p:style>
+        <p:txBody>
+          <a:bodyPr anchor="ctr"/>
+          <a:lstStyle/>
+          <a:p>
+            <a:pPr algn="ctr" defTabSz="1279525"/>
+            <a:r>
+              <a:rPr lang="zh-CN" altLang="en-US" dirty="0">
+                <a:solidFill>
+                  <a:srgbClr val="A6A6A6"/>
+                </a:solidFill>
+                <a:latin typeface="微软雅黑" pitchFamily="34" charset="-122"/>
+                <a:ea typeface="微软雅黑" pitchFamily="34" charset="-122"/>
+              </a:rPr>
+              <a:t>应用集成</a:t>
+            </a:r>
+          </a:p>
+        </p:txBody>
+      </p:sp>
+      <p:sp>
+        <p:nvSpPr>
+          <p:cNvPr id="15" name="五边形 14"/>
+          <p:cNvSpPr/>
+          <p:nvPr/>
+        </p:nvSpPr>
+        <p:spPr bwMode="auto">
+          <a:xfrm>
+            <a:off x="827584" y="692497"/>
+            <a:ext cx="864096" cy="576263"/>
+          </a:xfrm>
+          <a:prstGeom prst="homePlate">
+            <a:avLst/>
+          </a:prstGeom>
+          <a:solidFill>
+            <a:schemeClr val="bg2">
+              <a:lumMod val="20000"/>
+              <a:lumOff val="80000"/>
+            </a:schemeClr>
+          </a:solidFill>
+          <a:ln>
+            <a:solidFill>
+              <a:schemeClr val="bg2">
+                <a:lumMod val="20000"/>
+                <a:lumOff val="80000"/>
+              </a:schemeClr>
+            </a:solidFill>
+            <a:headEnd/>
+            <a:tailEnd/>
+          </a:ln>
+        </p:spPr>
+        <p:style>
+          <a:lnRef idx="1">
+            <a:schemeClr val="accent1"/>
+          </a:lnRef>
+          <a:fillRef idx="2">
+            <a:schemeClr val="accent1"/>
+          </a:fillRef>
+          <a:effectRef idx="1">
+            <a:schemeClr val="accent1"/>
+          </a:effectRef>
+          <a:fontRef idx="minor">
+            <a:schemeClr val="dk1"/>
+          </a:fontRef>
+        </p:style>
+        <p:txBody>
+          <a:bodyPr anchor="ctr"/>
+          <a:lstStyle/>
+          <a:p>
+            <a:pPr algn="ctr" defTabSz="1279525"/>
+            <a:r>
+              <a:rPr lang="zh-CN" altLang="en-US" dirty="0">
+                <a:solidFill>
+                  <a:srgbClr val="A6A6A6"/>
+                </a:solidFill>
+                <a:latin typeface="微软雅黑" pitchFamily="34" charset="-122"/>
+                <a:ea typeface="微软雅黑" pitchFamily="34" charset="-122"/>
+              </a:rPr>
+              <a:t>概述</a:t>
+            </a:r>
+          </a:p>
+        </p:txBody>
+      </p:sp>
+      <p:sp>
+        <p:nvSpPr>
+          <p:cNvPr id="18" name="TextBox 17"/>
+          <p:cNvSpPr txBox="1"/>
+          <p:nvPr/>
+        </p:nvSpPr>
+        <p:spPr>
+          <a:xfrm>
+            <a:off x="81310" y="1412776"/>
             <a:ext cx="8595146" cy="369332"/>
           </a:xfrm>
           <a:prstGeom prst="rect">
@@ -13046,7 +13702,7 @@
 </p:sld>
 </file>
 
-<file path=ppt/slides/slide15.xml><?xml version="1.0" encoding="utf-8"?>
+<file path=ppt/slides/slide16.xml><?xml version="1.0" encoding="utf-8"?>
 <p:sld xmlns:a="http://schemas.openxmlformats.org/drawingml/2006/main" xmlns:r="http://schemas.openxmlformats.org/officeDocument/2006/relationships" xmlns:p="http://schemas.openxmlformats.org/presentationml/2006/main">
   <p:cSld>
     <p:spTree>
@@ -15036,32 +15692,17 @@
                 </a:solidFill>
                 <a:cs typeface="Arial Unicode MS" pitchFamily="34" charset="-122"/>
               </a:rPr>
-              <a:t>事件</a:t>
-            </a:r>
-            <a:r>
-              <a:rPr lang="zh-CN" altLang="en-US" dirty="0" smtClean="0">
+              <a:t>事件框架</a:t>
+            </a:r>
+            <a:r>
+              <a:rPr lang="zh-CN" altLang="en-US" dirty="0">
                 <a:solidFill>
                   <a:srgbClr val="000066"/>
                 </a:solidFill>
                 <a:cs typeface="Arial Unicode MS" pitchFamily="34" charset="-122"/>
               </a:rPr>
-              <a:t>框架</a:t>
-            </a:r>
-            <a:r>
-              <a:rPr lang="zh-CN" altLang="en-US" dirty="0">
-                <a:solidFill>
-                  <a:srgbClr val="000066"/>
-                </a:solidFill>
-                <a:cs typeface="Arial Unicode MS" pitchFamily="34" charset="-122"/>
-              </a:rPr>
               <a:t>概述</a:t>
             </a:r>
-            <a:endParaRPr lang="zh-CN" altLang="en-US" dirty="0">
-              <a:solidFill>
-                <a:srgbClr val="000066"/>
-              </a:solidFill>
-              <a:cs typeface="Arial Unicode MS" pitchFamily="34" charset="-122"/>
-            </a:endParaRPr>
           </a:p>
         </p:txBody>
       </p:sp>
